--- a/Что-то там.pptx
+++ b/Что-то там.pptx
@@ -113,7 +113,7 @@
   </p:defaultTextStyle>
   <p:extLst>
     <p:ext uri="{EFAFB233-063F-42B5-8137-9DF3F51BA10A}">
-      <p15:sldGuideLst xmlns:p15="http://schemas.microsoft.com/office/powerpoint/2012/main"/>
+      <p15:sldGuideLst xmlns:p15="http://schemas.microsoft.com/office/powerpoint/2012/main" xmlns=""/>
     </p:ext>
   </p:extLst>
 </p:presentation>
@@ -1629,7 +1629,7 @@
 </file>
 
 <file path=ppt/diagrams/colors3.xml><?xml version="1.0" encoding="utf-8"?>
-<dgm:colorsDef xmlns:dgm="http://schemas.openxmlformats.org/drawingml/2006/diagram" xmlns:a="http://schemas.openxmlformats.org/drawingml/2006/main" uniqueId="urn:microsoft.com/office/officeart/2005/8/colors/colorful1">
+<dgm:colorsDef xmlns:dgm="http://schemas.openxmlformats.org/drawingml/2006/diagram" xmlns:a="http://schemas.openxmlformats.org/drawingml/2006/main" uniqueId="urn:microsoft.com/office/officeart/2005/8/colors/colorful1#1">
   <dgm:title val=""/>
   <dgm:desc val=""/>
   <dgm:catLst>
@@ -3645,10 +3645,10 @@
           <a:blip xmlns:r="http://schemas.openxmlformats.org/officeDocument/2006/relationships" r:embed="rId1" cstate="print">
             <a:extLst>
               <a:ext uri="{28A0092B-C50C-407E-A947-70E740481C1C}">
-                <a14:useLocalDpi xmlns:a14="http://schemas.microsoft.com/office/drawing/2010/main" val="0"/>
+                <a14:useLocalDpi xmlns:a14="http://schemas.microsoft.com/office/drawing/2010/main" xmlns="" val="0"/>
               </a:ext>
               <a:ext uri="{96DAC541-7B7A-43D3-8B79-37D633B846F1}">
-                <asvg:svgBlip xmlns:asvg="http://schemas.microsoft.com/office/drawing/2016/SVG/main" xmlns="" r:embed="rId2"/>
+                <asvg:svgBlip xmlns="" xmlns:asvg="http://schemas.microsoft.com/office/drawing/2016/SVG/main" r:embed="rId2"/>
               </a:ext>
             </a:extLst>
           </a:blip>
@@ -3666,7 +3666,7 @@
       </dgm:t>
       <dgm:extLst>
         <a:ext uri="{E40237B7-FDA0-4F09-8148-C483321AD2D9}">
-          <dgm14:cNvPr xmlns:dgm14="http://schemas.microsoft.com/office/drawing/2010/diagram" id="0" name="" descr="Иерархия"/>
+          <dgm14:cNvPr xmlns:dgm14="http://schemas.microsoft.com/office/drawing/2010/diagram" xmlns="" id="0" name="" descr="Иерархия"/>
         </a:ext>
       </dgm:extLst>
     </dgm:pt>
@@ -3705,10 +3705,10 @@
           <a:blip xmlns:r="http://schemas.openxmlformats.org/officeDocument/2006/relationships" r:embed="rId3" cstate="print">
             <a:extLst>
               <a:ext uri="{28A0092B-C50C-407E-A947-70E740481C1C}">
-                <a14:useLocalDpi xmlns:a14="http://schemas.microsoft.com/office/drawing/2010/main" val="0"/>
+                <a14:useLocalDpi xmlns:a14="http://schemas.microsoft.com/office/drawing/2010/main" xmlns="" val="0"/>
               </a:ext>
               <a:ext uri="{96DAC541-7B7A-43D3-8B79-37D633B846F1}">
-                <asvg:svgBlip xmlns:asvg="http://schemas.microsoft.com/office/drawing/2016/SVG/main" xmlns="" r:embed="rId4"/>
+                <asvg:svgBlip xmlns="" xmlns:asvg="http://schemas.microsoft.com/office/drawing/2016/SVG/main" r:embed="rId4"/>
               </a:ext>
             </a:extLst>
           </a:blip>
@@ -3726,7 +3726,7 @@
       </dgm:t>
       <dgm:extLst>
         <a:ext uri="{E40237B7-FDA0-4F09-8148-C483321AD2D9}">
-          <dgm14:cNvPr xmlns:dgm14="http://schemas.microsoft.com/office/drawing/2010/diagram" id="0" name="" descr="Head with Gears"/>
+          <dgm14:cNvPr xmlns:dgm14="http://schemas.microsoft.com/office/drawing/2010/diagram" xmlns="" id="0" name="" descr="Head with Gears"/>
         </a:ext>
       </dgm:extLst>
     </dgm:pt>
@@ -3765,10 +3765,10 @@
           <a:blip xmlns:r="http://schemas.openxmlformats.org/officeDocument/2006/relationships" r:embed="rId5" cstate="print">
             <a:extLst>
               <a:ext uri="{28A0092B-C50C-407E-A947-70E740481C1C}">
-                <a14:useLocalDpi xmlns:a14="http://schemas.microsoft.com/office/drawing/2010/main" val="0"/>
+                <a14:useLocalDpi xmlns:a14="http://schemas.microsoft.com/office/drawing/2010/main" xmlns="" val="0"/>
               </a:ext>
               <a:ext uri="{96DAC541-7B7A-43D3-8B79-37D633B846F1}">
-                <asvg:svgBlip xmlns:asvg="http://schemas.microsoft.com/office/drawing/2016/SVG/main" xmlns="" r:embed="rId6"/>
+                <asvg:svgBlip xmlns="" xmlns:asvg="http://schemas.microsoft.com/office/drawing/2016/SVG/main" r:embed="rId6"/>
               </a:ext>
             </a:extLst>
           </a:blip>
@@ -3786,7 +3786,7 @@
       </dgm:t>
       <dgm:extLst>
         <a:ext uri="{E40237B7-FDA0-4F09-8148-C483321AD2D9}">
-          <dgm14:cNvPr xmlns:dgm14="http://schemas.microsoft.com/office/drawing/2010/diagram" id="0" name="" descr="Ромб"/>
+          <dgm14:cNvPr xmlns:dgm14="http://schemas.microsoft.com/office/drawing/2010/diagram" xmlns="" id="0" name="" descr="Ромб"/>
         </a:ext>
       </dgm:extLst>
     </dgm:pt>
@@ -3812,13 +3812,13 @@
     </dgm:pt>
   </dgm:ptLst>
   <dgm:cxnLst>
-    <dgm:cxn modelId="{CAA03B74-BECD-4998-A9A3-BCC77E005890}" srcId="{5E9A7CB4-22EB-4F15-A1DF-618EC60402B6}" destId="{2A7E0CD2-6EF1-4E54-BA38-96426BC64A1F}" srcOrd="1" destOrd="0" parTransId="{BF209E49-1508-4E9A-9950-80C09D1597F0}" sibTransId="{E84C181A-6494-4FD5-9122-6BEEE76D0D7E}"/>
-    <dgm:cxn modelId="{12C44EF1-2557-40A0-BB56-0098B5C761C1}" type="presOf" srcId="{5E9A7CB4-22EB-4F15-A1DF-618EC60402B6}" destId="{9A04D033-9056-420A-968B-4C078900EE34}" srcOrd="0" destOrd="0" presId="urn:microsoft.com/office/officeart/2018/2/layout/IconLabelList"/>
-    <dgm:cxn modelId="{6BA317E6-AE5E-41FE-BF86-BD7BDE284D86}" srcId="{5E9A7CB4-22EB-4F15-A1DF-618EC60402B6}" destId="{EEDCF4F1-2B90-4A9D-92E3-5213787EB7C1}" srcOrd="0" destOrd="0" parTransId="{DF63A6B5-9A3F-45F4-B53F-3AE86734897F}" sibTransId="{B4B43E85-41A4-4586-B8A7-E5B4B7971744}"/>
-    <dgm:cxn modelId="{D083E3B6-D247-47ED-A888-FF062EEEDD79}" srcId="{5E9A7CB4-22EB-4F15-A1DF-618EC60402B6}" destId="{6B77FCB4-089B-4070-832A-13B115CCACB4}" srcOrd="2" destOrd="0" parTransId="{4599EE22-38FF-4C97-99C7-1407F99EA896}" sibTransId="{F9806D30-1ABE-4FE4-A5C4-3CBF2304DFCD}"/>
     <dgm:cxn modelId="{4F440084-67E1-4652-8E38-114F0B1386D5}" type="presOf" srcId="{2A7E0CD2-6EF1-4E54-BA38-96426BC64A1F}" destId="{7304CEC4-F9B0-4A90-803D-36A6D1042CE1}" srcOrd="0" destOrd="0" presId="urn:microsoft.com/office/officeart/2018/2/layout/IconLabelList"/>
     <dgm:cxn modelId="{948107A4-4CD8-4561-9124-D18304D95583}" type="presOf" srcId="{EEDCF4F1-2B90-4A9D-92E3-5213787EB7C1}" destId="{1B42CB77-AF03-4838-AF00-72C9A32C3949}" srcOrd="0" destOrd="0" presId="urn:microsoft.com/office/officeart/2018/2/layout/IconLabelList"/>
+    <dgm:cxn modelId="{6BA317E6-AE5E-41FE-BF86-BD7BDE284D86}" srcId="{5E9A7CB4-22EB-4F15-A1DF-618EC60402B6}" destId="{EEDCF4F1-2B90-4A9D-92E3-5213787EB7C1}" srcOrd="0" destOrd="0" parTransId="{DF63A6B5-9A3F-45F4-B53F-3AE86734897F}" sibTransId="{B4B43E85-41A4-4586-B8A7-E5B4B7971744}"/>
+    <dgm:cxn modelId="{12C44EF1-2557-40A0-BB56-0098B5C761C1}" type="presOf" srcId="{5E9A7CB4-22EB-4F15-A1DF-618EC60402B6}" destId="{9A04D033-9056-420A-968B-4C078900EE34}" srcOrd="0" destOrd="0" presId="urn:microsoft.com/office/officeart/2018/2/layout/IconLabelList"/>
+    <dgm:cxn modelId="{CAA03B74-BECD-4998-A9A3-BCC77E005890}" srcId="{5E9A7CB4-22EB-4F15-A1DF-618EC60402B6}" destId="{2A7E0CD2-6EF1-4E54-BA38-96426BC64A1F}" srcOrd="1" destOrd="0" parTransId="{BF209E49-1508-4E9A-9950-80C09D1597F0}" sibTransId="{E84C181A-6494-4FD5-9122-6BEEE76D0D7E}"/>
     <dgm:cxn modelId="{E98E9237-35D7-4238-AC89-01382E588372}" type="presOf" srcId="{6B77FCB4-089B-4070-832A-13B115CCACB4}" destId="{50932800-7334-4A7C-8624-B0B9032F42A0}" srcOrd="0" destOrd="0" presId="urn:microsoft.com/office/officeart/2018/2/layout/IconLabelList"/>
+    <dgm:cxn modelId="{D083E3B6-D247-47ED-A888-FF062EEEDD79}" srcId="{5E9A7CB4-22EB-4F15-A1DF-618EC60402B6}" destId="{6B77FCB4-089B-4070-832A-13B115CCACB4}" srcOrd="2" destOrd="0" parTransId="{4599EE22-38FF-4C97-99C7-1407F99EA896}" sibTransId="{F9806D30-1ABE-4FE4-A5C4-3CBF2304DFCD}"/>
     <dgm:cxn modelId="{29EFA7D5-6158-4B60-96B3-97C87D38A370}" type="presParOf" srcId="{9A04D033-9056-420A-968B-4C078900EE34}" destId="{1E767FD1-8B03-43AB-8997-782BD65CCF41}" srcOrd="0" destOrd="0" presId="urn:microsoft.com/office/officeart/2018/2/layout/IconLabelList"/>
     <dgm:cxn modelId="{CB21897F-553C-4667-A8F4-582565D3B094}" type="presParOf" srcId="{1E767FD1-8B03-43AB-8997-782BD65CCF41}" destId="{FD01706C-48FA-45F0-BA49-A4E1BD63D443}" srcOrd="0" destOrd="0" presId="urn:microsoft.com/office/officeart/2018/2/layout/IconLabelList"/>
     <dgm:cxn modelId="{7CA74708-4338-41E7-99F4-2979C560AC40}" type="presParOf" srcId="{1E767FD1-8B03-43AB-8997-782BD65CCF41}" destId="{271DEB69-9273-4D0F-B676-BDAFA6161CC8}" srcOrd="1" destOrd="0" presId="urn:microsoft.com/office/officeart/2018/2/layout/IconLabelList"/>
@@ -3838,7 +3838,7 @@
   <dgm:whole/>
   <dgm:extLst>
     <a:ext uri="http://schemas.microsoft.com/office/drawing/2008/diagram">
-      <dsp:dataModelExt xmlns:dsp="http://schemas.microsoft.com/office/drawing/2008/diagram" relId="rId7" minVer="http://schemas.openxmlformats.org/drawingml/2006/diagram"/>
+      <dsp:dataModelExt xmlns:dsp="http://schemas.microsoft.com/office/drawing/2008/diagram" xmlns="" relId="rId7" minVer="http://schemas.openxmlformats.org/drawingml/2006/diagram"/>
     </a:ext>
   </dgm:extLst>
 </dgm:dataModel>
@@ -3969,10 +3969,10 @@
           <a:blip xmlns:r="http://schemas.openxmlformats.org/officeDocument/2006/relationships" r:embed="rId1">
             <a:extLst>
               <a:ext uri="{28A0092B-C50C-407E-A947-70E740481C1C}">
-                <a14:useLocalDpi xmlns:a14="http://schemas.microsoft.com/office/drawing/2010/main" val="0"/>
+                <a14:useLocalDpi xmlns:a14="http://schemas.microsoft.com/office/drawing/2010/main" xmlns="" val="0"/>
               </a:ext>
               <a:ext uri="{96DAC541-7B7A-43D3-8B79-37D633B846F1}">
-                <asvg:svgBlip xmlns:asvg="http://schemas.microsoft.com/office/drawing/2016/SVG/main" xmlns="" r:embed="rId2"/>
+                <asvg:svgBlip xmlns="" xmlns:asvg="http://schemas.microsoft.com/office/drawing/2016/SVG/main" r:embed="rId2"/>
               </a:ext>
             </a:extLst>
           </a:blip>
@@ -3990,7 +3990,7 @@
       </dgm:t>
       <dgm:extLst>
         <a:ext uri="{E40237B7-FDA0-4F09-8148-C483321AD2D9}">
-          <dgm14:cNvPr xmlns:dgm14="http://schemas.microsoft.com/office/drawing/2010/diagram" id="0" name="" descr="Атом"/>
+          <dgm14:cNvPr xmlns:dgm14="http://schemas.microsoft.com/office/drawing/2010/diagram" xmlns="" id="0" name="" descr="Атом"/>
         </a:ext>
       </dgm:extLst>
     </dgm:pt>
@@ -4029,10 +4029,10 @@
           <a:blip xmlns:r="http://schemas.openxmlformats.org/officeDocument/2006/relationships" r:embed="rId3">
             <a:extLst>
               <a:ext uri="{28A0092B-C50C-407E-A947-70E740481C1C}">
-                <a14:useLocalDpi xmlns:a14="http://schemas.microsoft.com/office/drawing/2010/main" val="0"/>
+                <a14:useLocalDpi xmlns:a14="http://schemas.microsoft.com/office/drawing/2010/main" xmlns="" val="0"/>
               </a:ext>
               <a:ext uri="{96DAC541-7B7A-43D3-8B79-37D633B846F1}">
-                <asvg:svgBlip xmlns:asvg="http://schemas.microsoft.com/office/drawing/2016/SVG/main" xmlns="" r:embed="rId4"/>
+                <asvg:svgBlip xmlns="" xmlns:asvg="http://schemas.microsoft.com/office/drawing/2016/SVG/main" r:embed="rId4"/>
               </a:ext>
             </a:extLst>
           </a:blip>
@@ -4050,7 +4050,7 @@
       </dgm:t>
       <dgm:extLst>
         <a:ext uri="{E40237B7-FDA0-4F09-8148-C483321AD2D9}">
-          <dgm14:cNvPr xmlns:dgm14="http://schemas.microsoft.com/office/drawing/2010/diagram" id="0" name="" descr="Game controller"/>
+          <dgm14:cNvPr xmlns:dgm14="http://schemas.microsoft.com/office/drawing/2010/diagram" xmlns="" id="0" name="" descr="Game controller"/>
         </a:ext>
       </dgm:extLst>
     </dgm:pt>
@@ -4076,11 +4076,11 @@
     </dgm:pt>
   </dgm:ptLst>
   <dgm:cxnLst>
+    <dgm:cxn modelId="{48CFB94D-E14A-4E20-8EE6-32289DE23521}" srcId="{AB8D08D9-0DB1-43FB-A73D-BCA2751E6A33}" destId="{BFD4E053-6FB2-455F-BDAB-7318E00C3B25}" srcOrd="0" destOrd="0" parTransId="{E852C14C-C3FC-47BF-A3DB-C9620B0EC7FE}" sibTransId="{810C19B1-75DE-4598-8E73-C32A64B20FA9}"/>
+    <dgm:cxn modelId="{03EFFF9E-64A9-410F-832F-957E291608B6}" type="presOf" srcId="{BFD4E053-6FB2-455F-BDAB-7318E00C3B25}" destId="{471548B1-07D3-4618-B858-AFE7AC2CC9CC}" srcOrd="0" destOrd="0" presId="urn:microsoft.com/office/officeart/2018/2/layout/IconLabelList"/>
+    <dgm:cxn modelId="{F5C56EBE-EA8C-40CE-A5D1-C4225C47BFDF}" type="presOf" srcId="{AB8D08D9-0DB1-43FB-A73D-BCA2751E6A33}" destId="{D17F13AE-9BB4-430D-98B5-1D944934053B}" srcOrd="0" destOrd="0" presId="urn:microsoft.com/office/officeart/2018/2/layout/IconLabelList"/>
     <dgm:cxn modelId="{B09FF828-B15D-4CC6-AD99-8AD05F959D51}" type="presOf" srcId="{3DA4A72C-FD20-4CA8-ACC5-073EFFD74DEB}" destId="{6815375C-CD87-4CCE-96C2-466C775C44D5}" srcOrd="0" destOrd="0" presId="urn:microsoft.com/office/officeart/2018/2/layout/IconLabelList"/>
-    <dgm:cxn modelId="{F5C56EBE-EA8C-40CE-A5D1-C4225C47BFDF}" type="presOf" srcId="{AB8D08D9-0DB1-43FB-A73D-BCA2751E6A33}" destId="{D17F13AE-9BB4-430D-98B5-1D944934053B}" srcOrd="0" destOrd="0" presId="urn:microsoft.com/office/officeart/2018/2/layout/IconLabelList"/>
-    <dgm:cxn modelId="{03EFFF9E-64A9-410F-832F-957E291608B6}" type="presOf" srcId="{BFD4E053-6FB2-455F-BDAB-7318E00C3B25}" destId="{471548B1-07D3-4618-B858-AFE7AC2CC9CC}" srcOrd="0" destOrd="0" presId="urn:microsoft.com/office/officeart/2018/2/layout/IconLabelList"/>
     <dgm:cxn modelId="{C949B8AB-795F-4CFB-B26F-A64907936B37}" srcId="{AB8D08D9-0DB1-43FB-A73D-BCA2751E6A33}" destId="{3DA4A72C-FD20-4CA8-ACC5-073EFFD74DEB}" srcOrd="1" destOrd="0" parTransId="{2212A36F-014F-462F-A864-37AF73D4745D}" sibTransId="{38D84153-4F7C-4ABA-8526-AA92CE52AF78}"/>
-    <dgm:cxn modelId="{48CFB94D-E14A-4E20-8EE6-32289DE23521}" srcId="{AB8D08D9-0DB1-43FB-A73D-BCA2751E6A33}" destId="{BFD4E053-6FB2-455F-BDAB-7318E00C3B25}" srcOrd="0" destOrd="0" parTransId="{E852C14C-C3FC-47BF-A3DB-C9620B0EC7FE}" sibTransId="{810C19B1-75DE-4598-8E73-C32A64B20FA9}"/>
     <dgm:cxn modelId="{07C33DDA-FA58-4D5B-B4BC-AB60E5806DEC}" type="presParOf" srcId="{D17F13AE-9BB4-430D-98B5-1D944934053B}" destId="{F43728B9-6DAA-40E4-9B5C-DA0429F97195}" srcOrd="0" destOrd="0" presId="urn:microsoft.com/office/officeart/2018/2/layout/IconLabelList"/>
     <dgm:cxn modelId="{CD4C1CA5-73E5-4F3C-91E4-57D67491BD32}" type="presParOf" srcId="{F43728B9-6DAA-40E4-9B5C-DA0429F97195}" destId="{E32392C6-3675-485D-8F5A-38D5938FCEF0}" srcOrd="0" destOrd="0" presId="urn:microsoft.com/office/officeart/2018/2/layout/IconLabelList"/>
     <dgm:cxn modelId="{7E7FEA41-BFB7-4568-AC9E-B0BC15A693DA}" type="presParOf" srcId="{F43728B9-6DAA-40E4-9B5C-DA0429F97195}" destId="{35E31397-B0A1-4926-BB33-39FD513E9C3C}" srcOrd="1" destOrd="0" presId="urn:microsoft.com/office/officeart/2018/2/layout/IconLabelList"/>
@@ -4095,7 +4095,7 @@
   <dgm:whole/>
   <dgm:extLst>
     <a:ext uri="http://schemas.microsoft.com/office/drawing/2008/diagram">
-      <dsp:dataModelExt xmlns:dsp="http://schemas.microsoft.com/office/drawing/2008/diagram" relId="rId7" minVer="http://schemas.openxmlformats.org/drawingml/2006/diagram"/>
+      <dsp:dataModelExt xmlns:dsp="http://schemas.microsoft.com/office/drawing/2008/diagram" xmlns="" relId="rId7" minVer="http://schemas.openxmlformats.org/drawingml/2006/diagram"/>
     </a:ext>
   </dgm:extLst>
 </dgm:dataModel>
@@ -4105,7 +4105,7 @@
 <dgm:dataModel xmlns:dgm="http://schemas.openxmlformats.org/drawingml/2006/diagram" xmlns:a="http://schemas.openxmlformats.org/drawingml/2006/main">
   <dgm:ptLst>
     <dgm:pt modelId="{9D4B58BD-E744-4115-8A69-DA4C820F0D15}" type="doc">
-      <dgm:prSet loTypeId="urn:microsoft.com/office/officeart/2008/layout/LinedList" loCatId="list" qsTypeId="urn:microsoft.com/office/officeart/2005/8/quickstyle/simple2" qsCatId="simple" csTypeId="urn:microsoft.com/office/officeart/2005/8/colors/colorful1" csCatId="colorful" phldr="1"/>
+      <dgm:prSet loTypeId="urn:microsoft.com/office/officeart/2008/layout/LinedList" loCatId="list" qsTypeId="urn:microsoft.com/office/officeart/2005/8/quickstyle/simple2" qsCatId="simple" csTypeId="urn:microsoft.com/office/officeart/2005/8/colors/colorful1#1" csCatId="colorful" phldr="1"/>
       <dgm:spPr/>
       <dgm:t>
         <a:bodyPr/>
@@ -4382,15 +4382,15 @@
     </dgm:pt>
   </dgm:ptLst>
   <dgm:cxnLst>
-    <dgm:cxn modelId="{5A67A1AF-AAE9-41BE-A34B-AC40866216B4}" type="presOf" srcId="{10E19027-8569-4C98-B1EC-6F28F59D454E}" destId="{C09A9853-C3E4-4E5C-99E4-B5178729B0A6}" srcOrd="0" destOrd="0" presId="urn:microsoft.com/office/officeart/2008/layout/LinedList"/>
+    <dgm:cxn modelId="{01A4884A-7247-486F-82CD-DC7DCBD30FF1}" srcId="{9D4B58BD-E744-4115-8A69-DA4C820F0D15}" destId="{10E19027-8569-4C98-B1EC-6F28F59D454E}" srcOrd="1" destOrd="0" parTransId="{4F7BEBC8-5ACB-4BD4-9307-A8E6FAA64C7C}" sibTransId="{2272D032-7138-4E6E-916F-E40877F75080}"/>
     <dgm:cxn modelId="{50D4BAD3-6EE6-4733-9DDC-CAEEC58929DF}" type="presOf" srcId="{9D4B58BD-E744-4115-8A69-DA4C820F0D15}" destId="{9D4C4D88-A9C9-4F65-A838-DB2655B78A6E}" srcOrd="0" destOrd="0" presId="urn:microsoft.com/office/officeart/2008/layout/LinedList"/>
-    <dgm:cxn modelId="{0BFF9132-00EF-4244-A88A-7791AEE51796}" srcId="{9D4B58BD-E744-4115-8A69-DA4C820F0D15}" destId="{90807103-F35C-46FD-9C7E-C78D3A2006F7}" srcOrd="2" destOrd="0" parTransId="{D2DB4768-CBAA-4840-9304-7DCD31E50143}" sibTransId="{38B9A34F-98DC-46B8-9082-445FCAC8B3F0}"/>
-    <dgm:cxn modelId="{01A4884A-7247-486F-82CD-DC7DCBD30FF1}" srcId="{9D4B58BD-E744-4115-8A69-DA4C820F0D15}" destId="{10E19027-8569-4C98-B1EC-6F28F59D454E}" srcOrd="1" destOrd="0" parTransId="{4F7BEBC8-5ACB-4BD4-9307-A8E6FAA64C7C}" sibTransId="{2272D032-7138-4E6E-916F-E40877F75080}"/>
-    <dgm:cxn modelId="{34F5E999-A129-4DAF-BECF-7859B96792C8}" type="presOf" srcId="{5250B426-88E7-4A2C-B1CD-84304E49712A}" destId="{109E533E-2A19-4A19-9882-05D59C865E09}" srcOrd="0" destOrd="0" presId="urn:microsoft.com/office/officeart/2008/layout/LinedList"/>
     <dgm:cxn modelId="{EF25F073-AE0E-4A0B-8A75-82AA3FEB8E94}" srcId="{9D4B58BD-E744-4115-8A69-DA4C820F0D15}" destId="{5250B426-88E7-4A2C-B1CD-84304E49712A}" srcOrd="0" destOrd="0" parTransId="{647D1E92-69DB-45DA-B24C-022C2F5ADEF5}" sibTransId="{CFC2F543-FB65-4263-8EFE-C60BC8671C62}"/>
     <dgm:cxn modelId="{AA7F96DF-B120-4B77-B92E-6975302EEEAF}" srcId="{9D4B58BD-E744-4115-8A69-DA4C820F0D15}" destId="{7303DA95-1803-4E8F-8108-3CDA7F9AF208}" srcOrd="3" destOrd="0" parTransId="{9DCDB44A-B85D-4E60-8204-E6050B8F67CE}" sibTransId="{83321252-95A9-452B-A72C-8A8D879E09A0}"/>
+    <dgm:cxn modelId="{5A67A1AF-AAE9-41BE-A34B-AC40866216B4}" type="presOf" srcId="{10E19027-8569-4C98-B1EC-6F28F59D454E}" destId="{C09A9853-C3E4-4E5C-99E4-B5178729B0A6}" srcOrd="0" destOrd="0" presId="urn:microsoft.com/office/officeart/2008/layout/LinedList"/>
+    <dgm:cxn modelId="{0BFF9132-00EF-4244-A88A-7791AEE51796}" srcId="{9D4B58BD-E744-4115-8A69-DA4C820F0D15}" destId="{90807103-F35C-46FD-9C7E-C78D3A2006F7}" srcOrd="2" destOrd="0" parTransId="{D2DB4768-CBAA-4840-9304-7DCD31E50143}" sibTransId="{38B9A34F-98DC-46B8-9082-445FCAC8B3F0}"/>
+    <dgm:cxn modelId="{8D52F436-CCC6-4F07-9E1F-A405A7525FC3}" type="presOf" srcId="{7303DA95-1803-4E8F-8108-3CDA7F9AF208}" destId="{948BE199-5B6D-4C82-8E7E-6FC7C67D3CB4}" srcOrd="0" destOrd="0" presId="urn:microsoft.com/office/officeart/2008/layout/LinedList"/>
     <dgm:cxn modelId="{17904BF6-1B77-473F-8909-D02A6A8FC5A9}" type="presOf" srcId="{90807103-F35C-46FD-9C7E-C78D3A2006F7}" destId="{35EA0F2C-ECDC-48FE-BF6A-EF4A611A0073}" srcOrd="0" destOrd="0" presId="urn:microsoft.com/office/officeart/2008/layout/LinedList"/>
-    <dgm:cxn modelId="{8D52F436-CCC6-4F07-9E1F-A405A7525FC3}" type="presOf" srcId="{7303DA95-1803-4E8F-8108-3CDA7F9AF208}" destId="{948BE199-5B6D-4C82-8E7E-6FC7C67D3CB4}" srcOrd="0" destOrd="0" presId="urn:microsoft.com/office/officeart/2008/layout/LinedList"/>
+    <dgm:cxn modelId="{34F5E999-A129-4DAF-BECF-7859B96792C8}" type="presOf" srcId="{5250B426-88E7-4A2C-B1CD-84304E49712A}" destId="{109E533E-2A19-4A19-9882-05D59C865E09}" srcOrd="0" destOrd="0" presId="urn:microsoft.com/office/officeart/2008/layout/LinedList"/>
     <dgm:cxn modelId="{9ADDDD12-E233-49E2-9800-002760B5D4E8}" type="presParOf" srcId="{9D4C4D88-A9C9-4F65-A838-DB2655B78A6E}" destId="{7080E7D9-34EE-4452-AE9C-000E56355D80}" srcOrd="0" destOrd="0" presId="urn:microsoft.com/office/officeart/2008/layout/LinedList"/>
     <dgm:cxn modelId="{14FB2C3A-BA7D-4E3B-B025-63A209287DC7}" type="presParOf" srcId="{9D4C4D88-A9C9-4F65-A838-DB2655B78A6E}" destId="{29324EDF-64FF-41E6-8615-DEDBF2A34894}" srcOrd="1" destOrd="0" presId="urn:microsoft.com/office/officeart/2008/layout/LinedList"/>
     <dgm:cxn modelId="{8027998D-AF01-465E-9375-6F3911DE566F}" type="presParOf" srcId="{29324EDF-64FF-41E6-8615-DEDBF2A34894}" destId="{109E533E-2A19-4A19-9882-05D59C865E09}" srcOrd="0" destOrd="0" presId="urn:microsoft.com/office/officeart/2008/layout/LinedList"/>
@@ -4412,7 +4412,7 @@
   <dgm:whole/>
   <dgm:extLst>
     <a:ext uri="http://schemas.microsoft.com/office/drawing/2008/diagram">
-      <dsp:dataModelExt xmlns:dsp="http://schemas.microsoft.com/office/drawing/2008/diagram" relId="rId7" minVer="http://schemas.openxmlformats.org/drawingml/2006/diagram"/>
+      <dsp:dataModelExt xmlns:dsp="http://schemas.microsoft.com/office/drawing/2008/diagram" xmlns="" relId="rId7" minVer="http://schemas.openxmlformats.org/drawingml/2006/diagram"/>
     </a:ext>
   </dgm:extLst>
 </dgm:dataModel>
@@ -4640,10 +4640,10 @@
           <a:blip xmlns:r="http://schemas.openxmlformats.org/officeDocument/2006/relationships" r:embed="rId1">
             <a:extLst>
               <a:ext uri="{28A0092B-C50C-407E-A947-70E740481C1C}">
-                <a14:useLocalDpi xmlns:a14="http://schemas.microsoft.com/office/drawing/2010/main" val="0"/>
+                <a14:useLocalDpi xmlns:a14="http://schemas.microsoft.com/office/drawing/2010/main" xmlns="" val="0"/>
               </a:ext>
               <a:ext uri="{96DAC541-7B7A-43D3-8B79-37D633B846F1}">
-                <asvg:svgBlip xmlns:asvg="http://schemas.microsoft.com/office/drawing/2016/SVG/main" xmlns="" r:embed="rId2"/>
+                <asvg:svgBlip xmlns="" xmlns:asvg="http://schemas.microsoft.com/office/drawing/2016/SVG/main" r:embed="rId2"/>
               </a:ext>
             </a:extLst>
           </a:blip>
@@ -4664,7 +4664,7 @@
       </dgm:t>
       <dgm:extLst>
         <a:ext uri="{E40237B7-FDA0-4F09-8148-C483321AD2D9}">
-          <dgm14:cNvPr xmlns:dgm14="http://schemas.microsoft.com/office/drawing/2010/diagram" id="0" name="" descr="Язык"/>
+          <dgm14:cNvPr xmlns:dgm14="http://schemas.microsoft.com/office/drawing/2010/diagram" xmlns="" id="0" name="" descr="Язык"/>
         </a:ext>
       </dgm:extLst>
     </dgm:pt>
@@ -4772,10 +4772,10 @@
             </a:duotone>
             <a:extLst>
               <a:ext uri="{28A0092B-C50C-407E-A947-70E740481C1C}">
-                <a14:useLocalDpi xmlns:a14="http://schemas.microsoft.com/office/drawing/2010/main" val="0"/>
+                <a14:useLocalDpi xmlns:a14="http://schemas.microsoft.com/office/drawing/2010/main" xmlns="" val="0"/>
               </a:ext>
               <a:ext uri="{96DAC541-7B7A-43D3-8B79-37D633B846F1}">
-                <asvg:svgBlip xmlns:asvg="http://schemas.microsoft.com/office/drawing/2016/SVG/main" xmlns="" r:embed="rId5"/>
+                <asvg:svgBlip xmlns="" xmlns:asvg="http://schemas.microsoft.com/office/drawing/2016/SVG/main" r:embed="rId5"/>
               </a:ext>
             </a:extLst>
           </a:blip>
@@ -4796,7 +4796,7 @@
       </dgm:t>
       <dgm:extLst>
         <a:ext uri="{E40237B7-FDA0-4F09-8148-C483321AD2D9}">
-          <dgm14:cNvPr xmlns:dgm14="http://schemas.microsoft.com/office/drawing/2010/diagram" id="0" name="" descr="Фейерверки"/>
+          <dgm14:cNvPr xmlns:dgm14="http://schemas.microsoft.com/office/drawing/2010/diagram" xmlns="" id="0" name="" descr="Фейерверки"/>
         </a:ext>
       </dgm:extLst>
     </dgm:pt>
@@ -4822,13 +4822,13 @@
     </dgm:pt>
   </dgm:ptLst>
   <dgm:cxnLst>
+    <dgm:cxn modelId="{B4479079-F453-4D2F-8F7C-657117A00F4A}" type="presOf" srcId="{0D75B7F3-DCF4-44A8-9FEF-A43DFCFB8B99}" destId="{8827E493-E62E-4112-99EB-9F03876C27BB}" srcOrd="0" destOrd="0" presId="urn:microsoft.com/office/officeart/2018/5/layout/IconCircleLabelList"/>
     <dgm:cxn modelId="{9AB9A08E-A3B0-418A-BD84-5FCF6A902DF6}" srcId="{C66D03AD-5E18-48BC-A32D-08919F34B6D7}" destId="{4CBE54D5-18E9-4471-A59B-858CDA92B593}" srcOrd="1" destOrd="0" parTransId="{74AC9B3E-658D-4938-86D4-893AF6A18AC9}" sibTransId="{5581EF53-5AF3-4079-9C96-E9791D108381}"/>
+    <dgm:cxn modelId="{6534FE0B-C63D-4BE8-BB8A-E5C686B769FB}" type="presOf" srcId="{F3DD1956-0D7D-4929-8BEA-F03BF6A70E25}" destId="{FE12EB54-64E3-4622-B6B9-33F6644E647C}" srcOrd="0" destOrd="0" presId="urn:microsoft.com/office/officeart/2018/5/layout/IconCircleLabelList"/>
     <dgm:cxn modelId="{47FEFFAF-CC85-4412-9F17-07F3B14A7A2B}" type="presOf" srcId="{4CBE54D5-18E9-4471-A59B-858CDA92B593}" destId="{641508C7-CECE-4E69-967B-D0038D1329A1}" srcOrd="0" destOrd="0" presId="urn:microsoft.com/office/officeart/2018/5/layout/IconCircleLabelList"/>
-    <dgm:cxn modelId="{6534FE0B-C63D-4BE8-BB8A-E5C686B769FB}" type="presOf" srcId="{F3DD1956-0D7D-4929-8BEA-F03BF6A70E25}" destId="{FE12EB54-64E3-4622-B6B9-33F6644E647C}" srcOrd="0" destOrd="0" presId="urn:microsoft.com/office/officeart/2018/5/layout/IconCircleLabelList"/>
     <dgm:cxn modelId="{4F7A52C2-D4D7-42D7-9BA0-B81801E5042C}" srcId="{C66D03AD-5E18-48BC-A32D-08919F34B6D7}" destId="{0D75B7F3-DCF4-44A8-9FEF-A43DFCFB8B99}" srcOrd="2" destOrd="0" parTransId="{D4556E33-A5CF-41F0-859B-122EB994F8B1}" sibTransId="{DEFC0F04-6182-4E82-AD2A-FFB103076943}"/>
+    <dgm:cxn modelId="{781D3525-E31A-4C0F-A026-0FE081ECB43C}" type="presOf" srcId="{C66D03AD-5E18-48BC-A32D-08919F34B6D7}" destId="{78556718-DE2D-40AB-B3D6-E65A400A78E2}" srcOrd="0" destOrd="0" presId="urn:microsoft.com/office/officeart/2018/5/layout/IconCircleLabelList"/>
     <dgm:cxn modelId="{E711B4DE-86F1-4598-AAF1-B90807EDFC96}" srcId="{C66D03AD-5E18-48BC-A32D-08919F34B6D7}" destId="{F3DD1956-0D7D-4929-8BEA-F03BF6A70E25}" srcOrd="0" destOrd="0" parTransId="{8AB1CB3A-BE92-400D-9FF3-BC959729BF1A}" sibTransId="{E355EE62-A736-485D-92A6-45597317E330}"/>
-    <dgm:cxn modelId="{B4479079-F453-4D2F-8F7C-657117A00F4A}" type="presOf" srcId="{0D75B7F3-DCF4-44A8-9FEF-A43DFCFB8B99}" destId="{8827E493-E62E-4112-99EB-9F03876C27BB}" srcOrd="0" destOrd="0" presId="urn:microsoft.com/office/officeart/2018/5/layout/IconCircleLabelList"/>
-    <dgm:cxn modelId="{781D3525-E31A-4C0F-A026-0FE081ECB43C}" type="presOf" srcId="{C66D03AD-5E18-48BC-A32D-08919F34B6D7}" destId="{78556718-DE2D-40AB-B3D6-E65A400A78E2}" srcOrd="0" destOrd="0" presId="urn:microsoft.com/office/officeart/2018/5/layout/IconCircleLabelList"/>
     <dgm:cxn modelId="{6D702BB0-0AF1-4595-A71F-CB017441CF2B}" type="presParOf" srcId="{78556718-DE2D-40AB-B3D6-E65A400A78E2}" destId="{572A1E8A-FEFF-4E43-AB1B-15A651F0B735}" srcOrd="0" destOrd="0" presId="urn:microsoft.com/office/officeart/2018/5/layout/IconCircleLabelList"/>
     <dgm:cxn modelId="{7CB87C86-9728-41E5-933C-169A9EC3288E}" type="presParOf" srcId="{572A1E8A-FEFF-4E43-AB1B-15A651F0B735}" destId="{2AB8992A-E4FA-4AA0-B123-ED859B7AD7AC}" srcOrd="0" destOrd="0" presId="urn:microsoft.com/office/officeart/2018/5/layout/IconCircleLabelList"/>
     <dgm:cxn modelId="{7A64710A-AD55-42EB-BDFD-C0329363CA3C}" type="presParOf" srcId="{572A1E8A-FEFF-4E43-AB1B-15A651F0B735}" destId="{7090C5C7-7A64-4CEA-A6A5-D94AE843C2AC}" srcOrd="1" destOrd="0" presId="urn:microsoft.com/office/officeart/2018/5/layout/IconCircleLabelList"/>
@@ -4851,14 +4851,14 @@
   <dgm:whole/>
   <dgm:extLst>
     <a:ext uri="http://schemas.microsoft.com/office/drawing/2008/diagram">
-      <dsp:dataModelExt xmlns:dsp="http://schemas.microsoft.com/office/drawing/2008/diagram" relId="rId6" minVer="http://schemas.openxmlformats.org/drawingml/2006/diagram"/>
+      <dsp:dataModelExt xmlns:dsp="http://schemas.microsoft.com/office/drawing/2008/diagram" xmlns="" relId="rId6" minVer="http://schemas.openxmlformats.org/drawingml/2006/diagram"/>
     </a:ext>
   </dgm:extLst>
 </dgm:dataModel>
 </file>
 
 <file path=ppt/diagrams/drawing1.xml><?xml version="1.0" encoding="utf-8"?>
-<dsp:drawing xmlns:dgm="http://schemas.openxmlformats.org/drawingml/2006/diagram" xmlns:dsp="http://schemas.microsoft.com/office/drawing/2008/diagram" xmlns:a="http://schemas.openxmlformats.org/drawingml/2006/main">
+<dsp:drawing xmlns:dgm="http://schemas.openxmlformats.org/drawingml/2006/diagram" xmlns:a="http://schemas.openxmlformats.org/drawingml/2006/main" xmlns:dsp="http://schemas.microsoft.com/office/drawing/2008/diagram">
   <dsp:spTree>
     <dsp:nvGrpSpPr>
       <dsp:cNvPr id="0" name=""/>
@@ -4882,10 +4882,10 @@
           <a:blip xmlns:r="http://schemas.openxmlformats.org/officeDocument/2006/relationships" r:embed="rId1" cstate="print">
             <a:extLst>
               <a:ext uri="{28A0092B-C50C-407E-A947-70E740481C1C}">
-                <a14:useLocalDpi xmlns:a14="http://schemas.microsoft.com/office/drawing/2010/main" val="0"/>
+                <a14:useLocalDpi xmlns:a14="http://schemas.microsoft.com/office/drawing/2010/main" xmlns="" val="0"/>
               </a:ext>
               <a:ext uri="{96DAC541-7B7A-43D3-8B79-37D633B846F1}">
-                <asvg:svgBlip xmlns:asvg="http://schemas.microsoft.com/office/drawing/2016/SVG/main" xmlns="" r:embed="rId2"/>
+                <asvg:svgBlip xmlns="" xmlns:asvg="http://schemas.microsoft.com/office/drawing/2016/SVG/main" r:embed="rId2"/>
               </a:ext>
             </a:extLst>
           </a:blip>
@@ -5000,10 +5000,10 @@
           <a:blip xmlns:r="http://schemas.openxmlformats.org/officeDocument/2006/relationships" r:embed="rId3" cstate="print">
             <a:extLst>
               <a:ext uri="{28A0092B-C50C-407E-A947-70E740481C1C}">
-                <a14:useLocalDpi xmlns:a14="http://schemas.microsoft.com/office/drawing/2010/main" val="0"/>
+                <a14:useLocalDpi xmlns:a14="http://schemas.microsoft.com/office/drawing/2010/main" xmlns="" val="0"/>
               </a:ext>
               <a:ext uri="{96DAC541-7B7A-43D3-8B79-37D633B846F1}">
-                <asvg:svgBlip xmlns:asvg="http://schemas.microsoft.com/office/drawing/2016/SVG/main" xmlns="" r:embed="rId4"/>
+                <asvg:svgBlip xmlns="" xmlns:asvg="http://schemas.microsoft.com/office/drawing/2016/SVG/main" r:embed="rId4"/>
               </a:ext>
             </a:extLst>
           </a:blip>
@@ -5118,10 +5118,10 @@
           <a:blip xmlns:r="http://schemas.openxmlformats.org/officeDocument/2006/relationships" r:embed="rId5" cstate="print">
             <a:extLst>
               <a:ext uri="{28A0092B-C50C-407E-A947-70E740481C1C}">
-                <a14:useLocalDpi xmlns:a14="http://schemas.microsoft.com/office/drawing/2010/main" val="0"/>
+                <a14:useLocalDpi xmlns:a14="http://schemas.microsoft.com/office/drawing/2010/main" xmlns="" val="0"/>
               </a:ext>
               <a:ext uri="{96DAC541-7B7A-43D3-8B79-37D633B846F1}">
-                <asvg:svgBlip xmlns:asvg="http://schemas.microsoft.com/office/drawing/2016/SVG/main" xmlns="" r:embed="rId6"/>
+                <asvg:svgBlip xmlns="" xmlns:asvg="http://schemas.microsoft.com/office/drawing/2016/SVG/main" r:embed="rId6"/>
               </a:ext>
             </a:extLst>
           </a:blip>
@@ -5224,7 +5224,7 @@
 </file>
 
 <file path=ppt/diagrams/drawing2.xml><?xml version="1.0" encoding="utf-8"?>
-<dsp:drawing xmlns:dgm="http://schemas.openxmlformats.org/drawingml/2006/diagram" xmlns:dsp="http://schemas.microsoft.com/office/drawing/2008/diagram" xmlns:a="http://schemas.openxmlformats.org/drawingml/2006/main">
+<dsp:drawing xmlns:dgm="http://schemas.openxmlformats.org/drawingml/2006/diagram" xmlns:a="http://schemas.openxmlformats.org/drawingml/2006/main" xmlns:dsp="http://schemas.microsoft.com/office/drawing/2008/diagram">
   <dsp:spTree>
     <dsp:nvGrpSpPr>
       <dsp:cNvPr id="0" name=""/>
@@ -5248,10 +5248,10 @@
           <a:blip xmlns:r="http://schemas.openxmlformats.org/officeDocument/2006/relationships" r:embed="rId1">
             <a:extLst>
               <a:ext uri="{28A0092B-C50C-407E-A947-70E740481C1C}">
-                <a14:useLocalDpi xmlns:a14="http://schemas.microsoft.com/office/drawing/2010/main" val="0"/>
+                <a14:useLocalDpi xmlns:a14="http://schemas.microsoft.com/office/drawing/2010/main" xmlns="" val="0"/>
               </a:ext>
               <a:ext uri="{96DAC541-7B7A-43D3-8B79-37D633B846F1}">
-                <asvg:svgBlip xmlns:asvg="http://schemas.microsoft.com/office/drawing/2016/SVG/main" xmlns="" r:embed="rId2"/>
+                <asvg:svgBlip xmlns="" xmlns:asvg="http://schemas.microsoft.com/office/drawing/2016/SVG/main" r:embed="rId2"/>
               </a:ext>
             </a:extLst>
           </a:blip>
@@ -5365,10 +5365,10 @@
           <a:blip xmlns:r="http://schemas.openxmlformats.org/officeDocument/2006/relationships" r:embed="rId3">
             <a:extLst>
               <a:ext uri="{28A0092B-C50C-407E-A947-70E740481C1C}">
-                <a14:useLocalDpi xmlns:a14="http://schemas.microsoft.com/office/drawing/2010/main" val="0"/>
+                <a14:useLocalDpi xmlns:a14="http://schemas.microsoft.com/office/drawing/2010/main" xmlns="" val="0"/>
               </a:ext>
               <a:ext uri="{96DAC541-7B7A-43D3-8B79-37D633B846F1}">
-                <asvg:svgBlip xmlns:asvg="http://schemas.microsoft.com/office/drawing/2016/SVG/main" xmlns="" r:embed="rId4"/>
+                <asvg:svgBlip xmlns="" xmlns:asvg="http://schemas.microsoft.com/office/drawing/2016/SVG/main" r:embed="rId4"/>
               </a:ext>
             </a:extLst>
           </a:blip>
@@ -5470,7 +5470,7 @@
 </file>
 
 <file path=ppt/diagrams/drawing3.xml><?xml version="1.0" encoding="utf-8"?>
-<dsp:drawing xmlns:dgm="http://schemas.openxmlformats.org/drawingml/2006/diagram" xmlns:dsp="http://schemas.microsoft.com/office/drawing/2008/diagram" xmlns:a="http://schemas.openxmlformats.org/drawingml/2006/main">
+<dsp:drawing xmlns:dgm="http://schemas.openxmlformats.org/drawingml/2006/diagram" xmlns:a="http://schemas.openxmlformats.org/drawingml/2006/main" xmlns:dsp="http://schemas.microsoft.com/office/drawing/2008/diagram">
   <dsp:spTree>
     <dsp:nvGrpSpPr>
       <dsp:cNvPr id="0" name=""/>
@@ -5930,7 +5930,7 @@
 </file>
 
 <file path=ppt/diagrams/drawing4.xml><?xml version="1.0" encoding="utf-8"?>
-<dsp:drawing xmlns:dgm="http://schemas.openxmlformats.org/drawingml/2006/diagram" xmlns:dsp="http://schemas.microsoft.com/office/drawing/2008/diagram" xmlns:a="http://schemas.openxmlformats.org/drawingml/2006/main">
+<dsp:drawing xmlns:dgm="http://schemas.openxmlformats.org/drawingml/2006/diagram" xmlns:a="http://schemas.openxmlformats.org/drawingml/2006/main" xmlns:dsp="http://schemas.microsoft.com/office/drawing/2008/diagram">
   <dsp:spTree>
     <dsp:nvGrpSpPr>
       <dsp:cNvPr id="0" name=""/>
@@ -5994,10 +5994,10 @@
           <a:blip xmlns:r="http://schemas.openxmlformats.org/officeDocument/2006/relationships" r:embed="rId1">
             <a:extLst>
               <a:ext uri="{28A0092B-C50C-407E-A947-70E740481C1C}">
-                <a14:useLocalDpi xmlns:a14="http://schemas.microsoft.com/office/drawing/2010/main" val="0"/>
+                <a14:useLocalDpi xmlns:a14="http://schemas.microsoft.com/office/drawing/2010/main" xmlns="" val="0"/>
               </a:ext>
               <a:ext uri="{96DAC541-7B7A-43D3-8B79-37D633B846F1}">
-                <asvg:svgBlip xmlns:asvg="http://schemas.microsoft.com/office/drawing/2016/SVG/main" xmlns="" r:embed="rId2"/>
+                <asvg:svgBlip xmlns="" xmlns:asvg="http://schemas.microsoft.com/office/drawing/2016/SVG/main" r:embed="rId2"/>
               </a:ext>
             </a:extLst>
           </a:blip>
@@ -6350,10 +6350,10 @@
             </a:duotone>
             <a:extLst>
               <a:ext uri="{28A0092B-C50C-407E-A947-70E740481C1C}">
-                <a14:useLocalDpi xmlns:a14="http://schemas.microsoft.com/office/drawing/2010/main" val="0"/>
+                <a14:useLocalDpi xmlns:a14="http://schemas.microsoft.com/office/drawing/2010/main" xmlns="" val="0"/>
               </a:ext>
               <a:ext uri="{96DAC541-7B7A-43D3-8B79-37D633B846F1}">
-                <asvg:svgBlip xmlns:asvg="http://schemas.microsoft.com/office/drawing/2016/SVG/main" xmlns="" r:embed="rId5"/>
+                <asvg:svgBlip xmlns="" xmlns:asvg="http://schemas.microsoft.com/office/drawing/2016/SVG/main" r:embed="rId5"/>
               </a:ext>
             </a:extLst>
           </a:blip>
@@ -6634,7 +6634,7 @@
   </dgm:layoutNode>
   <dgm:extLst>
     <a:ext uri="{68A01E43-0DF5-4B5B-8FA6-DAF915123BFB}">
-      <dgm1612:lstStyle xmlns="" xmlns:dgm1612="http://schemas.microsoft.com/office/drawing/2016/12/diagram">
+      <dgm1612:lstStyle xmlns:dgm1612="http://schemas.microsoft.com/office/drawing/2016/12/diagram" xmlns="">
         <a:lvl1pPr>
           <a:lnSpc>
             <a:spcPct val="100000"/>
@@ -6824,7 +6824,7 @@
   </dgm:layoutNode>
   <dgm:extLst>
     <a:ext uri="{68A01E43-0DF5-4B5B-8FA6-DAF915123BFB}">
-      <dgm1612:lstStyle xmlns="" xmlns:dgm1612="http://schemas.microsoft.com/office/drawing/2016/12/diagram">
+      <dgm1612:lstStyle xmlns:dgm1612="http://schemas.microsoft.com/office/drawing/2016/12/diagram" xmlns="">
         <a:lvl1pPr>
           <a:lnSpc>
             <a:spcPct val="100000"/>
@@ -7504,7 +7504,7 @@
   </dgm:layoutNode>
   <dgm:extLst>
     <a:ext uri="{68A01E43-0DF5-4B5B-8FA6-DAF915123BFB}">
-      <dgm1612:lstStyle xmlns="" xmlns:dgm1612="http://schemas.microsoft.com/office/drawing/2016/12/diagram">
+      <dgm1612:lstStyle xmlns:dgm1612="http://schemas.microsoft.com/office/drawing/2016/12/diagram" xmlns="">
         <a:lvl1pPr>
           <a:lnSpc>
             <a:spcPct val="100000"/>
@@ -11782,7 +11782,8 @@
           <a:p>
             <a:fld id="{C7D7DFD1-D989-4BED-8452-1ED3EFA297DD}" type="datetimeFigureOut">
               <a:rPr lang="ru-RU" smtClean="0"/>
-              <a:t>18.01.2022</a:t>
+              <a:pPr/>
+              <a:t>24.01.2022</a:t>
             </a:fld>
             <a:endParaRPr lang="ru-RU"/>
           </a:p>
@@ -11824,6 +11825,7 @@
           <a:p>
             <a:fld id="{6DF1317D-46AE-49EF-AB6F-8ABEE015D519}" type="slidenum">
               <a:rPr lang="ru-RU" smtClean="0"/>
+              <a:pPr/>
               <a:t>‹#›</a:t>
             </a:fld>
             <a:endParaRPr lang="ru-RU"/>
@@ -11833,7 +11835,7 @@
     </p:spTree>
     <p:extLst>
       <p:ext uri="{BB962C8B-B14F-4D97-AF65-F5344CB8AC3E}">
-        <p14:creationId xmlns:p14="http://schemas.microsoft.com/office/powerpoint/2010/main" val="3919762099"/>
+        <p14:creationId xmlns:p14="http://schemas.microsoft.com/office/powerpoint/2010/main" xmlns="" val="3919762099"/>
       </p:ext>
     </p:extLst>
   </p:cSld>
@@ -11950,7 +11952,8 @@
           <a:p>
             <a:fld id="{C7D7DFD1-D989-4BED-8452-1ED3EFA297DD}" type="datetimeFigureOut">
               <a:rPr lang="ru-RU" smtClean="0"/>
-              <a:t>18.01.2022</a:t>
+              <a:pPr/>
+              <a:t>24.01.2022</a:t>
             </a:fld>
             <a:endParaRPr lang="ru-RU"/>
           </a:p>
@@ -11992,6 +11995,7 @@
           <a:p>
             <a:fld id="{6DF1317D-46AE-49EF-AB6F-8ABEE015D519}" type="slidenum">
               <a:rPr lang="ru-RU" smtClean="0"/>
+              <a:pPr/>
               <a:t>‹#›</a:t>
             </a:fld>
             <a:endParaRPr lang="ru-RU"/>
@@ -12001,7 +12005,7 @@
     </p:spTree>
     <p:extLst>
       <p:ext uri="{BB962C8B-B14F-4D97-AF65-F5344CB8AC3E}">
-        <p14:creationId xmlns:p14="http://schemas.microsoft.com/office/powerpoint/2010/main" val="3470243673"/>
+        <p14:creationId xmlns:p14="http://schemas.microsoft.com/office/powerpoint/2010/main" xmlns="" val="3470243673"/>
       </p:ext>
     </p:extLst>
   </p:cSld>
@@ -12128,7 +12132,8 @@
           <a:p>
             <a:fld id="{C7D7DFD1-D989-4BED-8452-1ED3EFA297DD}" type="datetimeFigureOut">
               <a:rPr lang="ru-RU" smtClean="0"/>
-              <a:t>18.01.2022</a:t>
+              <a:pPr/>
+              <a:t>24.01.2022</a:t>
             </a:fld>
             <a:endParaRPr lang="ru-RU"/>
           </a:p>
@@ -12170,6 +12175,7 @@
           <a:p>
             <a:fld id="{6DF1317D-46AE-49EF-AB6F-8ABEE015D519}" type="slidenum">
               <a:rPr lang="ru-RU" smtClean="0"/>
+              <a:pPr/>
               <a:t>‹#›</a:t>
             </a:fld>
             <a:endParaRPr lang="ru-RU"/>
@@ -12179,7 +12185,7 @@
     </p:spTree>
     <p:extLst>
       <p:ext uri="{BB962C8B-B14F-4D97-AF65-F5344CB8AC3E}">
-        <p14:creationId xmlns:p14="http://schemas.microsoft.com/office/powerpoint/2010/main" val="147709641"/>
+        <p14:creationId xmlns:p14="http://schemas.microsoft.com/office/powerpoint/2010/main" xmlns="" val="147709641"/>
       </p:ext>
     </p:extLst>
   </p:cSld>
@@ -12296,7 +12302,8 @@
           <a:p>
             <a:fld id="{C7D7DFD1-D989-4BED-8452-1ED3EFA297DD}" type="datetimeFigureOut">
               <a:rPr lang="ru-RU" smtClean="0"/>
-              <a:t>18.01.2022</a:t>
+              <a:pPr/>
+              <a:t>24.01.2022</a:t>
             </a:fld>
             <a:endParaRPr lang="ru-RU"/>
           </a:p>
@@ -12338,6 +12345,7 @@
           <a:p>
             <a:fld id="{6DF1317D-46AE-49EF-AB6F-8ABEE015D519}" type="slidenum">
               <a:rPr lang="ru-RU" smtClean="0"/>
+              <a:pPr/>
               <a:t>‹#›</a:t>
             </a:fld>
             <a:endParaRPr lang="ru-RU"/>
@@ -12347,7 +12355,7 @@
     </p:spTree>
     <p:extLst>
       <p:ext uri="{BB962C8B-B14F-4D97-AF65-F5344CB8AC3E}">
-        <p14:creationId xmlns:p14="http://schemas.microsoft.com/office/powerpoint/2010/main" val="4095320374"/>
+        <p14:creationId xmlns:p14="http://schemas.microsoft.com/office/powerpoint/2010/main" xmlns="" val="4095320374"/>
       </p:ext>
     </p:extLst>
   </p:cSld>
@@ -12541,7 +12549,8 @@
           <a:p>
             <a:fld id="{C7D7DFD1-D989-4BED-8452-1ED3EFA297DD}" type="datetimeFigureOut">
               <a:rPr lang="ru-RU" smtClean="0"/>
-              <a:t>18.01.2022</a:t>
+              <a:pPr/>
+              <a:t>24.01.2022</a:t>
             </a:fld>
             <a:endParaRPr lang="ru-RU"/>
           </a:p>
@@ -12583,6 +12592,7 @@
           <a:p>
             <a:fld id="{6DF1317D-46AE-49EF-AB6F-8ABEE015D519}" type="slidenum">
               <a:rPr lang="ru-RU" smtClean="0"/>
+              <a:pPr/>
               <a:t>‹#›</a:t>
             </a:fld>
             <a:endParaRPr lang="ru-RU"/>
@@ -12592,7 +12602,7 @@
     </p:spTree>
     <p:extLst>
       <p:ext uri="{BB962C8B-B14F-4D97-AF65-F5344CB8AC3E}">
-        <p14:creationId xmlns:p14="http://schemas.microsoft.com/office/powerpoint/2010/main" val="3294312730"/>
+        <p14:creationId xmlns:p14="http://schemas.microsoft.com/office/powerpoint/2010/main" xmlns="" val="3294312730"/>
       </p:ext>
     </p:extLst>
   </p:cSld>
@@ -12770,7 +12780,8 @@
           <a:p>
             <a:fld id="{C7D7DFD1-D989-4BED-8452-1ED3EFA297DD}" type="datetimeFigureOut">
               <a:rPr lang="ru-RU" smtClean="0"/>
-              <a:t>18.01.2022</a:t>
+              <a:pPr/>
+              <a:t>24.01.2022</a:t>
             </a:fld>
             <a:endParaRPr lang="ru-RU"/>
           </a:p>
@@ -12812,6 +12823,7 @@
           <a:p>
             <a:fld id="{6DF1317D-46AE-49EF-AB6F-8ABEE015D519}" type="slidenum">
               <a:rPr lang="ru-RU" smtClean="0"/>
+              <a:pPr/>
               <a:t>‹#›</a:t>
             </a:fld>
             <a:endParaRPr lang="ru-RU"/>
@@ -12821,7 +12833,7 @@
     </p:spTree>
     <p:extLst>
       <p:ext uri="{BB962C8B-B14F-4D97-AF65-F5344CB8AC3E}">
-        <p14:creationId xmlns:p14="http://schemas.microsoft.com/office/powerpoint/2010/main" val="291344117"/>
+        <p14:creationId xmlns:p14="http://schemas.microsoft.com/office/powerpoint/2010/main" xmlns="" val="291344117"/>
       </p:ext>
     </p:extLst>
   </p:cSld>
@@ -13134,7 +13146,8 @@
           <a:p>
             <a:fld id="{C7D7DFD1-D989-4BED-8452-1ED3EFA297DD}" type="datetimeFigureOut">
               <a:rPr lang="ru-RU" smtClean="0"/>
-              <a:t>18.01.2022</a:t>
+              <a:pPr/>
+              <a:t>24.01.2022</a:t>
             </a:fld>
             <a:endParaRPr lang="ru-RU"/>
           </a:p>
@@ -13176,6 +13189,7 @@
           <a:p>
             <a:fld id="{6DF1317D-46AE-49EF-AB6F-8ABEE015D519}" type="slidenum">
               <a:rPr lang="ru-RU" smtClean="0"/>
+              <a:pPr/>
               <a:t>‹#›</a:t>
             </a:fld>
             <a:endParaRPr lang="ru-RU"/>
@@ -13185,7 +13199,7 @@
     </p:spTree>
     <p:extLst>
       <p:ext uri="{BB962C8B-B14F-4D97-AF65-F5344CB8AC3E}">
-        <p14:creationId xmlns:p14="http://schemas.microsoft.com/office/powerpoint/2010/main" val="755093998"/>
+        <p14:creationId xmlns:p14="http://schemas.microsoft.com/office/powerpoint/2010/main" xmlns="" val="755093998"/>
       </p:ext>
     </p:extLst>
   </p:cSld>
@@ -13251,7 +13265,8 @@
           <a:p>
             <a:fld id="{C7D7DFD1-D989-4BED-8452-1ED3EFA297DD}" type="datetimeFigureOut">
               <a:rPr lang="ru-RU" smtClean="0"/>
-              <a:t>18.01.2022</a:t>
+              <a:pPr/>
+              <a:t>24.01.2022</a:t>
             </a:fld>
             <a:endParaRPr lang="ru-RU"/>
           </a:p>
@@ -13293,6 +13308,7 @@
           <a:p>
             <a:fld id="{6DF1317D-46AE-49EF-AB6F-8ABEE015D519}" type="slidenum">
               <a:rPr lang="ru-RU" smtClean="0"/>
+              <a:pPr/>
               <a:t>‹#›</a:t>
             </a:fld>
             <a:endParaRPr lang="ru-RU"/>
@@ -13302,7 +13318,7 @@
     </p:spTree>
     <p:extLst>
       <p:ext uri="{BB962C8B-B14F-4D97-AF65-F5344CB8AC3E}">
-        <p14:creationId xmlns:p14="http://schemas.microsoft.com/office/powerpoint/2010/main" val="3182211565"/>
+        <p14:creationId xmlns:p14="http://schemas.microsoft.com/office/powerpoint/2010/main" xmlns="" val="3182211565"/>
       </p:ext>
     </p:extLst>
   </p:cSld>
@@ -13346,7 +13362,8 @@
           <a:p>
             <a:fld id="{C7D7DFD1-D989-4BED-8452-1ED3EFA297DD}" type="datetimeFigureOut">
               <a:rPr lang="ru-RU" smtClean="0"/>
-              <a:t>18.01.2022</a:t>
+              <a:pPr/>
+              <a:t>24.01.2022</a:t>
             </a:fld>
             <a:endParaRPr lang="ru-RU"/>
           </a:p>
@@ -13388,6 +13405,7 @@
           <a:p>
             <a:fld id="{6DF1317D-46AE-49EF-AB6F-8ABEE015D519}" type="slidenum">
               <a:rPr lang="ru-RU" smtClean="0"/>
+              <a:pPr/>
               <a:t>‹#›</a:t>
             </a:fld>
             <a:endParaRPr lang="ru-RU"/>
@@ -13397,7 +13415,7 @@
     </p:spTree>
     <p:extLst>
       <p:ext uri="{BB962C8B-B14F-4D97-AF65-F5344CB8AC3E}">
-        <p14:creationId xmlns:p14="http://schemas.microsoft.com/office/powerpoint/2010/main" val="710811920"/>
+        <p14:creationId xmlns:p14="http://schemas.microsoft.com/office/powerpoint/2010/main" xmlns="" val="710811920"/>
       </p:ext>
     </p:extLst>
   </p:cSld>
@@ -13621,7 +13639,8 @@
           <a:p>
             <a:fld id="{C7D7DFD1-D989-4BED-8452-1ED3EFA297DD}" type="datetimeFigureOut">
               <a:rPr lang="ru-RU" smtClean="0"/>
-              <a:t>18.01.2022</a:t>
+              <a:pPr/>
+              <a:t>24.01.2022</a:t>
             </a:fld>
             <a:endParaRPr lang="ru-RU"/>
           </a:p>
@@ -13663,6 +13682,7 @@
           <a:p>
             <a:fld id="{6DF1317D-46AE-49EF-AB6F-8ABEE015D519}" type="slidenum">
               <a:rPr lang="ru-RU" smtClean="0"/>
+              <a:pPr/>
               <a:t>‹#›</a:t>
             </a:fld>
             <a:endParaRPr lang="ru-RU"/>
@@ -13672,7 +13692,7 @@
     </p:spTree>
     <p:extLst>
       <p:ext uri="{BB962C8B-B14F-4D97-AF65-F5344CB8AC3E}">
-        <p14:creationId xmlns:p14="http://schemas.microsoft.com/office/powerpoint/2010/main" val="1963661161"/>
+        <p14:creationId xmlns:p14="http://schemas.microsoft.com/office/powerpoint/2010/main" xmlns="" val="1963661161"/>
       </p:ext>
     </p:extLst>
   </p:cSld>
@@ -13873,7 +13893,8 @@
           <a:p>
             <a:fld id="{C7D7DFD1-D989-4BED-8452-1ED3EFA297DD}" type="datetimeFigureOut">
               <a:rPr lang="ru-RU" smtClean="0"/>
-              <a:t>18.01.2022</a:t>
+              <a:pPr/>
+              <a:t>24.01.2022</a:t>
             </a:fld>
             <a:endParaRPr lang="ru-RU"/>
           </a:p>
@@ -13915,6 +13936,7 @@
           <a:p>
             <a:fld id="{6DF1317D-46AE-49EF-AB6F-8ABEE015D519}" type="slidenum">
               <a:rPr lang="ru-RU" smtClean="0"/>
+              <a:pPr/>
               <a:t>‹#›</a:t>
             </a:fld>
             <a:endParaRPr lang="ru-RU"/>
@@ -13924,7 +13946,7 @@
     </p:spTree>
     <p:extLst>
       <p:ext uri="{BB962C8B-B14F-4D97-AF65-F5344CB8AC3E}">
-        <p14:creationId xmlns:p14="http://schemas.microsoft.com/office/powerpoint/2010/main" val="3615794775"/>
+        <p14:creationId xmlns:p14="http://schemas.microsoft.com/office/powerpoint/2010/main" xmlns="" val="3615794775"/>
       </p:ext>
     </p:extLst>
   </p:cSld>
@@ -14084,7 +14106,8 @@
           <a:p>
             <a:fld id="{C7D7DFD1-D989-4BED-8452-1ED3EFA297DD}" type="datetimeFigureOut">
               <a:rPr lang="ru-RU" smtClean="0"/>
-              <a:t>18.01.2022</a:t>
+              <a:pPr/>
+              <a:t>24.01.2022</a:t>
             </a:fld>
             <a:endParaRPr lang="ru-RU"/>
           </a:p>
@@ -14162,6 +14185,7 @@
           <a:p>
             <a:fld id="{6DF1317D-46AE-49EF-AB6F-8ABEE015D519}" type="slidenum">
               <a:rPr lang="ru-RU" smtClean="0"/>
+              <a:pPr/>
               <a:t>‹#›</a:t>
             </a:fld>
             <a:endParaRPr lang="ru-RU"/>
@@ -14171,7 +14195,7 @@
     </p:spTree>
     <p:extLst>
       <p:ext uri="{BB962C8B-B14F-4D97-AF65-F5344CB8AC3E}">
-        <p14:creationId xmlns:p14="http://schemas.microsoft.com/office/powerpoint/2010/main" val="2193489125"/>
+        <p14:creationId xmlns:p14="http://schemas.microsoft.com/office/powerpoint/2010/main" xmlns="" val="2193489125"/>
       </p:ext>
     </p:extLst>
   </p:cSld>
@@ -14502,10 +14526,10 @@
           <p:cNvPr id="8" name="Rectangle 7">
             <a:extLst>
               <a:ext uri="{FF2B5EF4-FFF2-40B4-BE49-F238E27FC236}">
-                <a16:creationId xmlns:a16="http://schemas.microsoft.com/office/drawing/2014/main" xmlns="" id="{6F5A5072-7B47-4D32-B52A-4EBBF590B8A5}"/>
+                <a16:creationId xmlns="" xmlns:a16="http://schemas.microsoft.com/office/drawing/2014/main" id="{6F5A5072-7B47-4D32-B52A-4EBBF590B8A5}"/>
               </a:ext>
               <a:ext uri="{C183D7F6-B498-43B3-948B-1728B52AA6E4}">
-                <adec:decorative xmlns:adec="http://schemas.microsoft.com/office/drawing/2017/decorative" xmlns="" val="1"/>
+                <adec:decorative xmlns="" xmlns:adec="http://schemas.microsoft.com/office/drawing/2017/decorative" val="1"/>
               </a:ext>
             </a:extLst>
           </p:cNvPr>
@@ -14515,7 +14539,7 @@
           <p:nvPr>
             <p:extLst>
               <p:ext uri="{386F3935-93C4-4BCD-93E2-E3B085C9AB24}">
-                <p16:designElem xmlns:p16="http://schemas.microsoft.com/office/powerpoint/2015/main" xmlns="" val="1"/>
+                <p16:designElem xmlns="" xmlns:p16="http://schemas.microsoft.com/office/powerpoint/2015/main" val="1"/>
               </p:ext>
             </p:extLst>
           </p:nvPr>
@@ -14536,7 +14560,7 @@
           <a:effectLst/>
           <a:extLst>
             <a:ext uri="{91240B29-F687-4F45-9708-019B960494DF}">
-              <a14:hiddenLine xmlns:a14="http://schemas.microsoft.com/office/drawing/2010/main" w="12700" cap="flat" cmpd="sng" algn="ctr">
+              <a14:hiddenLine xmlns:a14="http://schemas.microsoft.com/office/drawing/2010/main" xmlns="" w="12700" cap="flat" cmpd="sng" algn="ctr">
                 <a:solidFill>
                   <a:schemeClr val="accent1">
                     <a:shade val="50000"/>
@@ -14578,10 +14602,10 @@
           <p:cNvPr id="10" name="Rectangle 9">
             <a:extLst>
               <a:ext uri="{FF2B5EF4-FFF2-40B4-BE49-F238E27FC236}">
-                <a16:creationId xmlns:a16="http://schemas.microsoft.com/office/drawing/2014/main" xmlns="" id="{9715DAF0-AE1B-46C9-8A6B-DB2AA05AB91D}"/>
+                <a16:creationId xmlns="" xmlns:a16="http://schemas.microsoft.com/office/drawing/2014/main" id="{9715DAF0-AE1B-46C9-8A6B-DB2AA05AB91D}"/>
               </a:ext>
               <a:ext uri="{C183D7F6-B498-43B3-948B-1728B52AA6E4}">
-                <adec:decorative xmlns:adec="http://schemas.microsoft.com/office/drawing/2017/decorative" xmlns="" val="1"/>
+                <adec:decorative xmlns="" xmlns:adec="http://schemas.microsoft.com/office/drawing/2017/decorative" val="1"/>
               </a:ext>
             </a:extLst>
           </p:cNvPr>
@@ -14591,7 +14615,7 @@
           <p:nvPr>
             <p:extLst>
               <p:ext uri="{386F3935-93C4-4BCD-93E2-E3B085C9AB24}">
-                <p16:designElem xmlns:p16="http://schemas.microsoft.com/office/powerpoint/2015/main" xmlns="" val="1"/>
+                <p16:designElem xmlns="" xmlns:p16="http://schemas.microsoft.com/office/powerpoint/2015/main" val="1"/>
               </p:ext>
             </p:extLst>
           </p:nvPr>
@@ -14651,10 +14675,10 @@
           <p:cNvPr id="12" name="Rectangle 11">
             <a:extLst>
               <a:ext uri="{FF2B5EF4-FFF2-40B4-BE49-F238E27FC236}">
-                <a16:creationId xmlns:a16="http://schemas.microsoft.com/office/drawing/2014/main" xmlns="" id="{6016219D-510E-4184-9090-6D5578A87BD1}"/>
+                <a16:creationId xmlns="" xmlns:a16="http://schemas.microsoft.com/office/drawing/2014/main" id="{6016219D-510E-4184-9090-6D5578A87BD1}"/>
               </a:ext>
               <a:ext uri="{C183D7F6-B498-43B3-948B-1728B52AA6E4}">
-                <adec:decorative xmlns:adec="http://schemas.microsoft.com/office/drawing/2017/decorative" xmlns="" val="1"/>
+                <adec:decorative xmlns="" xmlns:adec="http://schemas.microsoft.com/office/drawing/2017/decorative" val="1"/>
               </a:ext>
             </a:extLst>
           </p:cNvPr>
@@ -14664,7 +14688,7 @@
           <p:nvPr>
             <p:extLst>
               <p:ext uri="{386F3935-93C4-4BCD-93E2-E3B085C9AB24}">
-                <p16:designElem xmlns:p16="http://schemas.microsoft.com/office/powerpoint/2015/main" xmlns="" val="1"/>
+                <p16:designElem xmlns="" xmlns:p16="http://schemas.microsoft.com/office/powerpoint/2015/main" val="1"/>
               </p:ext>
             </p:extLst>
           </p:nvPr>
@@ -14727,10 +14751,10 @@
           <p:cNvPr id="14" name="Rectangle 13">
             <a:extLst>
               <a:ext uri="{FF2B5EF4-FFF2-40B4-BE49-F238E27FC236}">
-                <a16:creationId xmlns:a16="http://schemas.microsoft.com/office/drawing/2014/main" xmlns="" id="{AFF4A713-7B75-4B21-90D7-5AB19547C728}"/>
+                <a16:creationId xmlns="" xmlns:a16="http://schemas.microsoft.com/office/drawing/2014/main" id="{AFF4A713-7B75-4B21-90D7-5AB19547C728}"/>
               </a:ext>
               <a:ext uri="{C183D7F6-B498-43B3-948B-1728B52AA6E4}">
-                <adec:decorative xmlns:adec="http://schemas.microsoft.com/office/drawing/2017/decorative" xmlns="" val="1"/>
+                <adec:decorative xmlns="" xmlns:adec="http://schemas.microsoft.com/office/drawing/2017/decorative" val="1"/>
               </a:ext>
             </a:extLst>
           </p:cNvPr>
@@ -14740,7 +14764,7 @@
           <p:nvPr>
             <p:extLst>
               <p:ext uri="{386F3935-93C4-4BCD-93E2-E3B085C9AB24}">
-                <p16:designElem xmlns:p16="http://schemas.microsoft.com/office/powerpoint/2015/main" xmlns="" val="1"/>
+                <p16:designElem xmlns="" xmlns:p16="http://schemas.microsoft.com/office/powerpoint/2015/main" val="1"/>
               </p:ext>
             </p:extLst>
           </p:nvPr>
@@ -14802,10 +14826,10 @@
           <p:cNvPr id="16" name="Rectangle 15">
             <a:extLst>
               <a:ext uri="{FF2B5EF4-FFF2-40B4-BE49-F238E27FC236}">
-                <a16:creationId xmlns:a16="http://schemas.microsoft.com/office/drawing/2014/main" xmlns="" id="{DC631C0B-6DA6-4E57-8231-CE32B3434A7E}"/>
+                <a16:creationId xmlns="" xmlns:a16="http://schemas.microsoft.com/office/drawing/2014/main" id="{DC631C0B-6DA6-4E57-8231-CE32B3434A7E}"/>
               </a:ext>
               <a:ext uri="{C183D7F6-B498-43B3-948B-1728B52AA6E4}">
-                <adec:decorative xmlns:adec="http://schemas.microsoft.com/office/drawing/2017/decorative" xmlns="" val="1"/>
+                <adec:decorative xmlns="" xmlns:adec="http://schemas.microsoft.com/office/drawing/2017/decorative" val="1"/>
               </a:ext>
             </a:extLst>
           </p:cNvPr>
@@ -14815,7 +14839,7 @@
           <p:nvPr>
             <p:extLst>
               <p:ext uri="{386F3935-93C4-4BCD-93E2-E3B085C9AB24}">
-                <p16:designElem xmlns:p16="http://schemas.microsoft.com/office/powerpoint/2015/main" xmlns="" val="1"/>
+                <p16:designElem xmlns="" xmlns:p16="http://schemas.microsoft.com/office/powerpoint/2015/main" val="1"/>
               </p:ext>
             </p:extLst>
           </p:nvPr>
@@ -14878,10 +14902,10 @@
           <p:cNvPr id="18" name="Freeform: Shape 17">
             <a:extLst>
               <a:ext uri="{FF2B5EF4-FFF2-40B4-BE49-F238E27FC236}">
-                <a16:creationId xmlns:a16="http://schemas.microsoft.com/office/drawing/2014/main" xmlns="" id="{C29501E6-A978-4A61-9689-9085AF97A53A}"/>
+                <a16:creationId xmlns="" xmlns:a16="http://schemas.microsoft.com/office/drawing/2014/main" id="{C29501E6-A978-4A61-9689-9085AF97A53A}"/>
               </a:ext>
               <a:ext uri="{C183D7F6-B498-43B3-948B-1728B52AA6E4}">
-                <adec:decorative xmlns:adec="http://schemas.microsoft.com/office/drawing/2017/decorative" xmlns="" val="1"/>
+                <adec:decorative xmlns="" xmlns:adec="http://schemas.microsoft.com/office/drawing/2017/decorative" val="1"/>
               </a:ext>
             </a:extLst>
           </p:cNvPr>
@@ -14891,7 +14915,7 @@
           <p:nvPr>
             <p:extLst>
               <p:ext uri="{386F3935-93C4-4BCD-93E2-E3B085C9AB24}">
-                <p16:designElem xmlns:p16="http://schemas.microsoft.com/office/powerpoint/2015/main" xmlns="" val="1"/>
+                <p16:designElem xmlns="" xmlns:p16="http://schemas.microsoft.com/office/powerpoint/2015/main" val="1"/>
               </p:ext>
             </p:extLst>
           </p:nvPr>
@@ -15041,14 +15065,14 @@
           <a:p>
             <a:pPr algn="l"/>
             <a:r>
-              <a:rPr lang="en-US" sz="4800">
+              <a:rPr lang="en-US" sz="4800" dirty="0" err="1" smtClean="0">
                 <a:solidFill>
                   <a:srgbClr val="FFFFFF"/>
                 </a:solidFill>
               </a:rPr>
-              <a:t>….</a:t>
+              <a:t>Cosmario</a:t>
             </a:r>
-            <a:endParaRPr lang="ru-RU" sz="4800">
+            <a:endParaRPr lang="ru-RU" sz="4800" dirty="0">
               <a:solidFill>
                 <a:srgbClr val="FFFFFF"/>
               </a:solidFill>
@@ -15102,7 +15126,7 @@
     </p:spTree>
     <p:extLst>
       <p:ext uri="{BB962C8B-B14F-4D97-AF65-F5344CB8AC3E}">
-        <p14:creationId xmlns:p14="http://schemas.microsoft.com/office/powerpoint/2010/main" val="2099048617"/>
+        <p14:creationId xmlns:p14="http://schemas.microsoft.com/office/powerpoint/2010/main" xmlns="" val="2099048617"/>
       </p:ext>
     </p:extLst>
   </p:cSld>
@@ -15142,10 +15166,10 @@
           <p:cNvPr id="11" name="Rectangle 10">
             <a:extLst>
               <a:ext uri="{FF2B5EF4-FFF2-40B4-BE49-F238E27FC236}">
-                <a16:creationId xmlns:a16="http://schemas.microsoft.com/office/drawing/2014/main" xmlns="" id="{C5E6CFF1-2F42-4E10-9A97-F116F46F53FE}"/>
+                <a16:creationId xmlns="" xmlns:a16="http://schemas.microsoft.com/office/drawing/2014/main" id="{C5E6CFF1-2F42-4E10-9A97-F116F46F53FE}"/>
               </a:ext>
               <a:ext uri="{C183D7F6-B498-43B3-948B-1728B52AA6E4}">
-                <adec:decorative xmlns:adec="http://schemas.microsoft.com/office/drawing/2017/decorative" xmlns="" val="1"/>
+                <adec:decorative xmlns="" xmlns:adec="http://schemas.microsoft.com/office/drawing/2017/decorative" val="1"/>
               </a:ext>
             </a:extLst>
           </p:cNvPr>
@@ -15155,7 +15179,7 @@
           <p:nvPr>
             <p:extLst>
               <p:ext uri="{386F3935-93C4-4BCD-93E2-E3B085C9AB24}">
-                <p16:designElem xmlns:p16="http://schemas.microsoft.com/office/powerpoint/2015/main" xmlns="" val="1"/>
+                <p16:designElem xmlns="" xmlns:p16="http://schemas.microsoft.com/office/powerpoint/2015/main" val="1"/>
               </p:ext>
             </p:extLst>
           </p:nvPr>
@@ -15205,7 +15229,7 @@
           <p:cNvPr id="7" name="Picture 6">
             <a:extLst>
               <a:ext uri="{FF2B5EF4-FFF2-40B4-BE49-F238E27FC236}">
-                <a16:creationId xmlns:a16="http://schemas.microsoft.com/office/drawing/2014/main" xmlns="" id="{6C22E129-39CB-4D59-8979-DE8895726697}"/>
+                <a16:creationId xmlns="" xmlns:a16="http://schemas.microsoft.com/office/drawing/2014/main" id="{6C22E129-39CB-4D59-8979-DE8895726697}"/>
               </a:ext>
             </a:extLst>
           </p:cNvPr>
@@ -15215,7 +15239,7 @@
           <p:nvPr/>
         </p:nvPicPr>
         <p:blipFill rotWithShape="1">
-          <a:blip r:embed="rId2">
+          <a:blip r:embed="rId2" cstate="print">
             <a:alphaModFix amt="35000"/>
           </a:blip>
           <a:srcRect t="340" r="-2" b="15263"/>
@@ -15270,10 +15294,10 @@
           <p:cNvPr id="13" name="Straight Connector 12">
             <a:extLst>
               <a:ext uri="{FF2B5EF4-FFF2-40B4-BE49-F238E27FC236}">
-                <a16:creationId xmlns:a16="http://schemas.microsoft.com/office/drawing/2014/main" xmlns="" id="{67182200-4859-4C8D-BCBB-55B245C28BA3}"/>
+                <a16:creationId xmlns="" xmlns:a16="http://schemas.microsoft.com/office/drawing/2014/main" id="{67182200-4859-4C8D-BCBB-55B245C28BA3}"/>
               </a:ext>
               <a:ext uri="{C183D7F6-B498-43B3-948B-1728B52AA6E4}">
-                <adec:decorative xmlns:adec="http://schemas.microsoft.com/office/drawing/2017/decorative" xmlns="" val="1"/>
+                <adec:decorative xmlns="" xmlns:adec="http://schemas.microsoft.com/office/drawing/2017/decorative" val="1"/>
               </a:ext>
             </a:extLst>
           </p:cNvPr>
@@ -15283,7 +15307,7 @@
           <p:nvPr>
             <p:extLst>
               <p:ext uri="{386F3935-93C4-4BCD-93E2-E3B085C9AB24}">
-                <p16:designElem xmlns:p16="http://schemas.microsoft.com/office/powerpoint/2015/main" xmlns="" val="1"/>
+                <p16:designElem xmlns="" xmlns:p16="http://schemas.microsoft.com/office/powerpoint/2015/main" val="1"/>
               </p:ext>
             </p:extLst>
           </p:nvPr>
@@ -15322,7 +15346,7 @@
           <p:cNvPr id="5" name="Объект 2">
             <a:extLst>
               <a:ext uri="{FF2B5EF4-FFF2-40B4-BE49-F238E27FC236}">
-                <a16:creationId xmlns:a16="http://schemas.microsoft.com/office/drawing/2014/main" xmlns="" id="{D04EB6DE-EC36-4479-9869-2FE22242282F}"/>
+                <a16:creationId xmlns="" xmlns:a16="http://schemas.microsoft.com/office/drawing/2014/main" id="{D04EB6DE-EC36-4479-9869-2FE22242282F}"/>
               </a:ext>
             </a:extLst>
           </p:cNvPr>
@@ -15333,7 +15357,7 @@
             <p:ph idx="1"/>
             <p:extLst>
               <p:ext uri="{D42A27DB-BD31-4B8C-83A1-F6EECF244321}">
-                <p14:modId xmlns:p14="http://schemas.microsoft.com/office/powerpoint/2010/main" val="1259629161"/>
+                <p14:modId xmlns:p14="http://schemas.microsoft.com/office/powerpoint/2010/main" xmlns="" val="1259629161"/>
               </p:ext>
             </p:extLst>
           </p:nvPr>
@@ -15351,7 +15375,7 @@
     </p:spTree>
     <p:extLst>
       <p:ext uri="{BB962C8B-B14F-4D97-AF65-F5344CB8AC3E}">
-        <p14:creationId xmlns:p14="http://schemas.microsoft.com/office/powerpoint/2010/main" val="2010199164"/>
+        <p14:creationId xmlns:p14="http://schemas.microsoft.com/office/powerpoint/2010/main" xmlns="" val="2010199164"/>
       </p:ext>
     </p:extLst>
   </p:cSld>
@@ -15391,7 +15415,7 @@
           <p:cNvPr id="12" name="Picture 11">
             <a:extLst>
               <a:ext uri="{FF2B5EF4-FFF2-40B4-BE49-F238E27FC236}">
-                <a16:creationId xmlns:a16="http://schemas.microsoft.com/office/drawing/2014/main" xmlns="" id="{9B9C5B86-D182-43ED-8CB4-326B6B23EE6C}"/>
+                <a16:creationId xmlns="" xmlns:a16="http://schemas.microsoft.com/office/drawing/2014/main" id="{9B9C5B86-D182-43ED-8CB4-326B6B23EE6C}"/>
               </a:ext>
             </a:extLst>
           </p:cNvPr>
@@ -15401,7 +15425,7 @@
           <p:nvPr/>
         </p:nvPicPr>
         <p:blipFill rotWithShape="1">
-          <a:blip r:embed="rId2">
+          <a:blip r:embed="rId2" cstate="print">
             <a:duotone>
               <a:prstClr val="black"/>
               <a:schemeClr val="tx2">
@@ -15428,10 +15452,10 @@
           <p:cNvPr id="21" name="Rectangle 20">
             <a:extLst>
               <a:ext uri="{FF2B5EF4-FFF2-40B4-BE49-F238E27FC236}">
-                <a16:creationId xmlns:a16="http://schemas.microsoft.com/office/drawing/2014/main" xmlns="" id="{B4147794-66B7-4CDE-BC75-BBDC48B2FCEB}"/>
+                <a16:creationId xmlns="" xmlns:a16="http://schemas.microsoft.com/office/drawing/2014/main" id="{B4147794-66B7-4CDE-BC75-BBDC48B2FCEB}"/>
               </a:ext>
               <a:ext uri="{C183D7F6-B498-43B3-948B-1728B52AA6E4}">
-                <adec:decorative xmlns:adec="http://schemas.microsoft.com/office/drawing/2017/decorative" xmlns="" val="1"/>
+                <adec:decorative xmlns="" xmlns:adec="http://schemas.microsoft.com/office/drawing/2017/decorative" val="1"/>
               </a:ext>
             </a:extLst>
           </p:cNvPr>
@@ -15441,7 +15465,7 @@
           <p:nvPr>
             <p:extLst>
               <p:ext uri="{386F3935-93C4-4BCD-93E2-E3B085C9AB24}">
-                <p16:designElem xmlns:p16="http://schemas.microsoft.com/office/powerpoint/2015/main" xmlns="" val="1"/>
+                <p16:designElem xmlns="" xmlns:p16="http://schemas.microsoft.com/office/powerpoint/2015/main" val="1"/>
               </p:ext>
             </p:extLst>
           </p:nvPr>
@@ -15558,10 +15582,10 @@
           <p:cNvPr id="23" name="Rectangle 22">
             <a:extLst>
               <a:ext uri="{FF2B5EF4-FFF2-40B4-BE49-F238E27FC236}">
-                <a16:creationId xmlns:a16="http://schemas.microsoft.com/office/drawing/2014/main" xmlns="" id="{41202E79-1236-4DF8-9921-F47A0B079C13}"/>
+                <a16:creationId xmlns="" xmlns:a16="http://schemas.microsoft.com/office/drawing/2014/main" id="{41202E79-1236-4DF8-9921-F47A0B079C13}"/>
               </a:ext>
               <a:ext uri="{C183D7F6-B498-43B3-948B-1728B52AA6E4}">
-                <adec:decorative xmlns:adec="http://schemas.microsoft.com/office/drawing/2017/decorative" xmlns="" val="1"/>
+                <adec:decorative xmlns="" xmlns:adec="http://schemas.microsoft.com/office/drawing/2017/decorative" val="1"/>
               </a:ext>
             </a:extLst>
           </p:cNvPr>
@@ -15571,7 +15595,7 @@
           <p:nvPr>
             <p:extLst>
               <p:ext uri="{386F3935-93C4-4BCD-93E2-E3B085C9AB24}">
-                <p16:designElem xmlns:p16="http://schemas.microsoft.com/office/powerpoint/2015/main" xmlns="" val="1"/>
+                <p16:designElem xmlns="" xmlns:p16="http://schemas.microsoft.com/office/powerpoint/2015/main" val="1"/>
               </p:ext>
             </p:extLst>
           </p:nvPr>
@@ -15617,7 +15641,7 @@
           <p:cNvPr id="5" name="Объект 2">
             <a:extLst>
               <a:ext uri="{FF2B5EF4-FFF2-40B4-BE49-F238E27FC236}">
-                <a16:creationId xmlns:a16="http://schemas.microsoft.com/office/drawing/2014/main" xmlns="" id="{FBA6050B-2A3A-4B5C-918B-F2070ECE7A85}"/>
+                <a16:creationId xmlns="" xmlns:a16="http://schemas.microsoft.com/office/drawing/2014/main" id="{FBA6050B-2A3A-4B5C-918B-F2070ECE7A85}"/>
               </a:ext>
             </a:extLst>
           </p:cNvPr>
@@ -15628,7 +15652,7 @@
             <p:ph idx="1"/>
             <p:extLst>
               <p:ext uri="{D42A27DB-BD31-4B8C-83A1-F6EECF244321}">
-                <p14:modId xmlns:p14="http://schemas.microsoft.com/office/powerpoint/2010/main" val="1244204008"/>
+                <p14:modId xmlns:p14="http://schemas.microsoft.com/office/powerpoint/2010/main" xmlns="" val="1244204008"/>
               </p:ext>
             </p:extLst>
           </p:nvPr>
@@ -15646,7 +15670,7 @@
     </p:spTree>
     <p:extLst>
       <p:ext uri="{BB962C8B-B14F-4D97-AF65-F5344CB8AC3E}">
-        <p14:creationId xmlns:p14="http://schemas.microsoft.com/office/powerpoint/2010/main" val="1157022287"/>
+        <p14:creationId xmlns:p14="http://schemas.microsoft.com/office/powerpoint/2010/main" xmlns="" val="1157022287"/>
       </p:ext>
     </p:extLst>
   </p:cSld>
@@ -15686,7 +15710,7 @@
           <p:cNvPr id="71" name="Picture 70">
             <a:extLst>
               <a:ext uri="{FF2B5EF4-FFF2-40B4-BE49-F238E27FC236}">
-                <a16:creationId xmlns:a16="http://schemas.microsoft.com/office/drawing/2014/main" xmlns="" id="{3F710219-FC33-45B2-A1C0-0CB163FCC716}"/>
+                <a16:creationId xmlns="" xmlns:a16="http://schemas.microsoft.com/office/drawing/2014/main" id="{3F710219-FC33-45B2-A1C0-0CB163FCC716}"/>
               </a:ext>
             </a:extLst>
           </p:cNvPr>
@@ -15696,7 +15720,7 @@
           <p:nvPr/>
         </p:nvPicPr>
         <p:blipFill rotWithShape="1">
-          <a:blip r:embed="rId2"/>
+          <a:blip r:embed="rId2" cstate="print"/>
           <a:srcRect l="3956" r="17453" b="-1"/>
           <a:stretch/>
         </p:blipFill>
@@ -15715,10 +15739,10 @@
           <p:cNvPr id="95" name="Freeform: Shape 94">
             <a:extLst>
               <a:ext uri="{FF2B5EF4-FFF2-40B4-BE49-F238E27FC236}">
-                <a16:creationId xmlns:a16="http://schemas.microsoft.com/office/drawing/2014/main" xmlns="" id="{8F23F8A3-8FD7-4779-8323-FDC26BE99889}"/>
+                <a16:creationId xmlns="" xmlns:a16="http://schemas.microsoft.com/office/drawing/2014/main" id="{8F23F8A3-8FD7-4779-8323-FDC26BE99889}"/>
               </a:ext>
               <a:ext uri="{C183D7F6-B498-43B3-948B-1728B52AA6E4}">
-                <adec:decorative xmlns:adec="http://schemas.microsoft.com/office/drawing/2017/decorative" xmlns="" val="1"/>
+                <adec:decorative xmlns="" xmlns:adec="http://schemas.microsoft.com/office/drawing/2017/decorative" val="1"/>
               </a:ext>
             </a:extLst>
           </p:cNvPr>
@@ -15728,7 +15752,7 @@
           <p:nvPr>
             <p:extLst>
               <p:ext uri="{386F3935-93C4-4BCD-93E2-E3B085C9AB24}">
-                <p16:designElem xmlns:p16="http://schemas.microsoft.com/office/powerpoint/2015/main" xmlns="" val="1"/>
+                <p16:designElem xmlns="" xmlns:p16="http://schemas.microsoft.com/office/powerpoint/2015/main" val="1"/>
               </p:ext>
             </p:extLst>
           </p:nvPr>
@@ -15859,10 +15883,10 @@
           <p:cNvPr id="97" name="Freeform: Shape 96">
             <a:extLst>
               <a:ext uri="{FF2B5EF4-FFF2-40B4-BE49-F238E27FC236}">
-                <a16:creationId xmlns:a16="http://schemas.microsoft.com/office/drawing/2014/main" xmlns="" id="{F605C4CC-A25C-416F-8333-7CB7DC97D870}"/>
+                <a16:creationId xmlns="" xmlns:a16="http://schemas.microsoft.com/office/drawing/2014/main" id="{F605C4CC-A25C-416F-8333-7CB7DC97D870}"/>
               </a:ext>
               <a:ext uri="{C183D7F6-B498-43B3-948B-1728B52AA6E4}">
-                <adec:decorative xmlns:adec="http://schemas.microsoft.com/office/drawing/2017/decorative" xmlns="" val="1"/>
+                <adec:decorative xmlns="" xmlns:adec="http://schemas.microsoft.com/office/drawing/2017/decorative" val="1"/>
               </a:ext>
             </a:extLst>
           </p:cNvPr>
@@ -15872,7 +15896,7 @@
           <p:nvPr>
             <p:extLst>
               <p:ext uri="{386F3935-93C4-4BCD-93E2-E3B085C9AB24}">
-                <p16:designElem xmlns:p16="http://schemas.microsoft.com/office/powerpoint/2015/main" xmlns="" val="1"/>
+                <p16:designElem xmlns="" xmlns:p16="http://schemas.microsoft.com/office/powerpoint/2015/main" val="1"/>
               </p:ext>
             </p:extLst>
           </p:nvPr>
@@ -16002,7 +16026,7 @@
           <p:cNvPr id="2" name="Заголовок 1">
             <a:extLst>
               <a:ext uri="{FF2B5EF4-FFF2-40B4-BE49-F238E27FC236}">
-                <a16:creationId xmlns:a16="http://schemas.microsoft.com/office/drawing/2014/main" xmlns="" id="{374EDCDB-17F9-4575-BF8B-2A34476A1F88}"/>
+                <a16:creationId xmlns="" xmlns:a16="http://schemas.microsoft.com/office/drawing/2014/main" id="{374EDCDB-17F9-4575-BF8B-2A34476A1F88}"/>
               </a:ext>
             </a:extLst>
           </p:cNvPr>
@@ -16040,7 +16064,7 @@
           <p:cNvPr id="33" name="Объект 2">
             <a:extLst>
               <a:ext uri="{FF2B5EF4-FFF2-40B4-BE49-F238E27FC236}">
-                <a16:creationId xmlns:a16="http://schemas.microsoft.com/office/drawing/2014/main" xmlns="" id="{2B6D56D9-1604-413E-A8C6-BB7F8153A94E}"/>
+                <a16:creationId xmlns="" xmlns:a16="http://schemas.microsoft.com/office/drawing/2014/main" id="{2B6D56D9-1604-413E-A8C6-BB7F8153A94E}"/>
               </a:ext>
             </a:extLst>
           </p:cNvPr>
@@ -16051,7 +16075,7 @@
             <p:ph idx="1"/>
             <p:extLst>
               <p:ext uri="{D42A27DB-BD31-4B8C-83A1-F6EECF244321}">
-                <p14:modId xmlns:p14="http://schemas.microsoft.com/office/powerpoint/2010/main" val="2860849073"/>
+                <p14:modId xmlns:p14="http://schemas.microsoft.com/office/powerpoint/2010/main" xmlns="" val="2860849073"/>
               </p:ext>
             </p:extLst>
           </p:nvPr>
@@ -16069,7 +16093,7 @@
     </p:spTree>
     <p:extLst>
       <p:ext uri="{BB962C8B-B14F-4D97-AF65-F5344CB8AC3E}">
-        <p14:creationId xmlns:p14="http://schemas.microsoft.com/office/powerpoint/2010/main" val="3528725159"/>
+        <p14:creationId xmlns:p14="http://schemas.microsoft.com/office/powerpoint/2010/main" xmlns="" val="3528725159"/>
       </p:ext>
     </p:extLst>
   </p:cSld>
@@ -16109,10 +16133,10 @@
           <p:cNvPr id="38" name="Rectangle 37">
             <a:extLst>
               <a:ext uri="{FF2B5EF4-FFF2-40B4-BE49-F238E27FC236}">
-                <a16:creationId xmlns:a16="http://schemas.microsoft.com/office/drawing/2014/main" xmlns="" id="{DEE2AD96-B495-4E06-9291-B71706F728CB}"/>
+                <a16:creationId xmlns="" xmlns:a16="http://schemas.microsoft.com/office/drawing/2014/main" id="{DEE2AD96-B495-4E06-9291-B71706F728CB}"/>
               </a:ext>
               <a:ext uri="{C183D7F6-B498-43B3-948B-1728B52AA6E4}">
-                <adec:decorative xmlns:adec="http://schemas.microsoft.com/office/drawing/2017/decorative" xmlns="" val="1"/>
+                <adec:decorative xmlns="" xmlns:adec="http://schemas.microsoft.com/office/drawing/2017/decorative" val="1"/>
               </a:ext>
             </a:extLst>
           </p:cNvPr>
@@ -16122,7 +16146,7 @@
           <p:nvPr>
             <p:extLst>
               <p:ext uri="{386F3935-93C4-4BCD-93E2-E3B085C9AB24}">
-                <p16:designElem xmlns:p16="http://schemas.microsoft.com/office/powerpoint/2015/main" xmlns="" val="1"/>
+                <p16:designElem xmlns="" xmlns:p16="http://schemas.microsoft.com/office/powerpoint/2015/main" val="1"/>
               </p:ext>
             </p:extLst>
           </p:nvPr>
@@ -16143,7 +16167,7 @@
           <a:effectLst/>
           <a:extLst>
             <a:ext uri="{91240B29-F687-4F45-9708-019B960494DF}">
-              <a14:hiddenLine xmlns:a14="http://schemas.microsoft.com/office/drawing/2010/main" w="12700" cap="flat" cmpd="sng" algn="ctr">
+              <a14:hiddenLine xmlns:a14="http://schemas.microsoft.com/office/drawing/2010/main" xmlns="" w="12700" cap="flat" cmpd="sng" algn="ctr">
                 <a:solidFill>
                   <a:schemeClr val="accent1">
                     <a:shade val="50000"/>
@@ -16185,10 +16209,10 @@
           <p:cNvPr id="40" name="Rectangle 39">
             <a:extLst>
               <a:ext uri="{FF2B5EF4-FFF2-40B4-BE49-F238E27FC236}">
-                <a16:creationId xmlns:a16="http://schemas.microsoft.com/office/drawing/2014/main" xmlns="" id="{53CF6D67-C5A8-4ADD-9E8E-1E38CA1D3166}"/>
+                <a16:creationId xmlns="" xmlns:a16="http://schemas.microsoft.com/office/drawing/2014/main" id="{53CF6D67-C5A8-4ADD-9E8E-1E38CA1D3166}"/>
               </a:ext>
               <a:ext uri="{C183D7F6-B498-43B3-948B-1728B52AA6E4}">
-                <adec:decorative xmlns:adec="http://schemas.microsoft.com/office/drawing/2017/decorative" xmlns="" val="1"/>
+                <adec:decorative xmlns="" xmlns:adec="http://schemas.microsoft.com/office/drawing/2017/decorative" val="1"/>
               </a:ext>
             </a:extLst>
           </p:cNvPr>
@@ -16198,7 +16222,7 @@
           <p:nvPr>
             <p:extLst>
               <p:ext uri="{386F3935-93C4-4BCD-93E2-E3B085C9AB24}">
-                <p16:designElem xmlns:p16="http://schemas.microsoft.com/office/powerpoint/2015/main" xmlns="" val="1"/>
+                <p16:designElem xmlns="" xmlns:p16="http://schemas.microsoft.com/office/powerpoint/2015/main" val="1"/>
               </p:ext>
             </p:extLst>
           </p:nvPr>
@@ -16258,10 +16282,10 @@
           <p:cNvPr id="42" name="Rectangle 41">
             <a:extLst>
               <a:ext uri="{FF2B5EF4-FFF2-40B4-BE49-F238E27FC236}">
-                <a16:creationId xmlns:a16="http://schemas.microsoft.com/office/drawing/2014/main" xmlns="" id="{86909FA0-B515-4681-B7A8-FA281D133B94}"/>
+                <a16:creationId xmlns="" xmlns:a16="http://schemas.microsoft.com/office/drawing/2014/main" id="{86909FA0-B515-4681-B7A8-FA281D133B94}"/>
               </a:ext>
               <a:ext uri="{C183D7F6-B498-43B3-948B-1728B52AA6E4}">
-                <adec:decorative xmlns:adec="http://schemas.microsoft.com/office/drawing/2017/decorative" xmlns="" val="1"/>
+                <adec:decorative xmlns="" xmlns:adec="http://schemas.microsoft.com/office/drawing/2017/decorative" val="1"/>
               </a:ext>
             </a:extLst>
           </p:cNvPr>
@@ -16271,7 +16295,7 @@
           <p:nvPr>
             <p:extLst>
               <p:ext uri="{386F3935-93C4-4BCD-93E2-E3B085C9AB24}">
-                <p16:designElem xmlns:p16="http://schemas.microsoft.com/office/powerpoint/2015/main" xmlns="" val="1"/>
+                <p16:designElem xmlns="" xmlns:p16="http://schemas.microsoft.com/office/powerpoint/2015/main" val="1"/>
               </p:ext>
             </p:extLst>
           </p:nvPr>
@@ -16333,10 +16357,10 @@
           <p:cNvPr id="44" name="Rectangle 43">
             <a:extLst>
               <a:ext uri="{FF2B5EF4-FFF2-40B4-BE49-F238E27FC236}">
-                <a16:creationId xmlns:a16="http://schemas.microsoft.com/office/drawing/2014/main" xmlns="" id="{21C9FE86-FCC3-4A31-AA1C-C882262B7FE7}"/>
+                <a16:creationId xmlns="" xmlns:a16="http://schemas.microsoft.com/office/drawing/2014/main" id="{21C9FE86-FCC3-4A31-AA1C-C882262B7FE7}"/>
               </a:ext>
               <a:ext uri="{C183D7F6-B498-43B3-948B-1728B52AA6E4}">
-                <adec:decorative xmlns:adec="http://schemas.microsoft.com/office/drawing/2017/decorative" xmlns="" val="1"/>
+                <adec:decorative xmlns="" xmlns:adec="http://schemas.microsoft.com/office/drawing/2017/decorative" val="1"/>
               </a:ext>
             </a:extLst>
           </p:cNvPr>
@@ -16346,7 +16370,7 @@
           <p:nvPr>
             <p:extLst>
               <p:ext uri="{386F3935-93C4-4BCD-93E2-E3B085C9AB24}">
-                <p16:designElem xmlns:p16="http://schemas.microsoft.com/office/powerpoint/2015/main" xmlns="" val="1"/>
+                <p16:designElem xmlns="" xmlns:p16="http://schemas.microsoft.com/office/powerpoint/2015/main" val="1"/>
               </p:ext>
             </p:extLst>
           </p:nvPr>
@@ -16408,10 +16432,10 @@
           <p:cNvPr id="46" name="Rectangle 45">
             <a:extLst>
               <a:ext uri="{FF2B5EF4-FFF2-40B4-BE49-F238E27FC236}">
-                <a16:creationId xmlns:a16="http://schemas.microsoft.com/office/drawing/2014/main" xmlns="" id="{7D96243B-ECED-4B71-8E06-AE9A285EAD20}"/>
+                <a16:creationId xmlns="" xmlns:a16="http://schemas.microsoft.com/office/drawing/2014/main" id="{7D96243B-ECED-4B71-8E06-AE9A285EAD20}"/>
               </a:ext>
               <a:ext uri="{C183D7F6-B498-43B3-948B-1728B52AA6E4}">
-                <adec:decorative xmlns:adec="http://schemas.microsoft.com/office/drawing/2017/decorative" xmlns="" val="1"/>
+                <adec:decorative xmlns="" xmlns:adec="http://schemas.microsoft.com/office/drawing/2017/decorative" val="1"/>
               </a:ext>
             </a:extLst>
           </p:cNvPr>
@@ -16421,7 +16445,7 @@
           <p:nvPr>
             <p:extLst>
               <p:ext uri="{386F3935-93C4-4BCD-93E2-E3B085C9AB24}">
-                <p16:designElem xmlns:p16="http://schemas.microsoft.com/office/powerpoint/2015/main" xmlns="" val="1"/>
+                <p16:designElem xmlns="" xmlns:p16="http://schemas.microsoft.com/office/powerpoint/2015/main" val="1"/>
               </p:ext>
             </p:extLst>
           </p:nvPr>
@@ -16483,10 +16507,10 @@
           <p:cNvPr id="48" name="Oval 47">
             <a:extLst>
               <a:ext uri="{FF2B5EF4-FFF2-40B4-BE49-F238E27FC236}">
-                <a16:creationId xmlns:a16="http://schemas.microsoft.com/office/drawing/2014/main" xmlns="" id="{A09989E4-EFDC-4A90-A633-E0525FB4139E}"/>
+                <a16:creationId xmlns="" xmlns:a16="http://schemas.microsoft.com/office/drawing/2014/main" id="{A09989E4-EFDC-4A90-A633-E0525FB4139E}"/>
               </a:ext>
               <a:ext uri="{C183D7F6-B498-43B3-948B-1728B52AA6E4}">
-                <adec:decorative xmlns:adec="http://schemas.microsoft.com/office/drawing/2017/decorative" xmlns="" val="1"/>
+                <adec:decorative xmlns="" xmlns:adec="http://schemas.microsoft.com/office/drawing/2017/decorative" val="1"/>
               </a:ext>
             </a:extLst>
           </p:cNvPr>
@@ -16496,7 +16520,7 @@
           <p:nvPr>
             <p:extLst>
               <p:ext uri="{386F3935-93C4-4BCD-93E2-E3B085C9AB24}">
-                <p16:designElem xmlns:p16="http://schemas.microsoft.com/office/powerpoint/2015/main" xmlns="" val="1"/>
+                <p16:designElem xmlns="" xmlns:p16="http://schemas.microsoft.com/office/powerpoint/2015/main" val="1"/>
               </p:ext>
             </p:extLst>
           </p:nvPr>
@@ -16624,7 +16648,7 @@
     </p:spTree>
     <p:extLst>
       <p:ext uri="{BB962C8B-B14F-4D97-AF65-F5344CB8AC3E}">
-        <p14:creationId xmlns:p14="http://schemas.microsoft.com/office/powerpoint/2010/main" val="2926020159"/>
+        <p14:creationId xmlns:p14="http://schemas.microsoft.com/office/powerpoint/2010/main" xmlns="" val="2926020159"/>
       </p:ext>
     </p:extLst>
   </p:cSld>
@@ -16664,10 +16688,10 @@
           <p:cNvPr id="30" name="Rectangle 29">
             <a:extLst>
               <a:ext uri="{FF2B5EF4-FFF2-40B4-BE49-F238E27FC236}">
-                <a16:creationId xmlns:a16="http://schemas.microsoft.com/office/drawing/2014/main" xmlns="" id="{C7FA33FF-088D-4F16-95A2-2C64D353DEA8}"/>
+                <a16:creationId xmlns="" xmlns:a16="http://schemas.microsoft.com/office/drawing/2014/main" id="{C7FA33FF-088D-4F16-95A2-2C64D353DEA8}"/>
               </a:ext>
               <a:ext uri="{C183D7F6-B498-43B3-948B-1728B52AA6E4}">
-                <adec:decorative xmlns:adec="http://schemas.microsoft.com/office/drawing/2017/decorative" xmlns="" val="1"/>
+                <adec:decorative xmlns="" xmlns:adec="http://schemas.microsoft.com/office/drawing/2017/decorative" val="1"/>
               </a:ext>
             </a:extLst>
           </p:cNvPr>
@@ -16677,7 +16701,7 @@
           <p:nvPr>
             <p:extLst>
               <p:ext uri="{386F3935-93C4-4BCD-93E2-E3B085C9AB24}">
-                <p16:designElem xmlns:p16="http://schemas.microsoft.com/office/powerpoint/2015/main" xmlns="" val="1"/>
+                <p16:designElem xmlns="" xmlns:p16="http://schemas.microsoft.com/office/powerpoint/2015/main" val="1"/>
               </p:ext>
             </p:extLst>
           </p:nvPr>
@@ -16753,10 +16777,10 @@
           <p:cNvPr id="32" name="Rectangle 31">
             <a:extLst>
               <a:ext uri="{FF2B5EF4-FFF2-40B4-BE49-F238E27FC236}">
-                <a16:creationId xmlns:a16="http://schemas.microsoft.com/office/drawing/2014/main" xmlns="" id="{A376EFB1-01CF-419F-ABF1-2AF02BBFCBD1}"/>
+                <a16:creationId xmlns="" xmlns:a16="http://schemas.microsoft.com/office/drawing/2014/main" id="{A376EFB1-01CF-419F-ABF1-2AF02BBFCBD1}"/>
               </a:ext>
               <a:ext uri="{C183D7F6-B498-43B3-948B-1728B52AA6E4}">
-                <adec:decorative xmlns:adec="http://schemas.microsoft.com/office/drawing/2017/decorative" xmlns="" val="1"/>
+                <adec:decorative xmlns="" xmlns:adec="http://schemas.microsoft.com/office/drawing/2017/decorative" val="1"/>
               </a:ext>
             </a:extLst>
           </p:cNvPr>
@@ -16766,7 +16790,7 @@
           <p:nvPr>
             <p:extLst>
               <p:ext uri="{386F3935-93C4-4BCD-93E2-E3B085C9AB24}">
-                <p16:designElem xmlns:p16="http://schemas.microsoft.com/office/powerpoint/2015/main" xmlns="" val="1"/>
+                <p16:designElem xmlns="" xmlns:p16="http://schemas.microsoft.com/office/powerpoint/2015/main" val="1"/>
               </p:ext>
             </p:extLst>
           </p:nvPr>
@@ -16847,10 +16871,10 @@
           <p:cNvPr id="34" name="Freeform: Shape 33">
             <a:extLst>
               <a:ext uri="{FF2B5EF4-FFF2-40B4-BE49-F238E27FC236}">
-                <a16:creationId xmlns:a16="http://schemas.microsoft.com/office/drawing/2014/main" xmlns="" id="{FF9DEA15-78BD-4750-AA18-B9F28A6D5AB8}"/>
+                <a16:creationId xmlns="" xmlns:a16="http://schemas.microsoft.com/office/drawing/2014/main" id="{FF9DEA15-78BD-4750-AA18-B9F28A6D5AB8}"/>
               </a:ext>
               <a:ext uri="{C183D7F6-B498-43B3-948B-1728B52AA6E4}">
-                <adec:decorative xmlns:adec="http://schemas.microsoft.com/office/drawing/2017/decorative" xmlns="" val="1"/>
+                <adec:decorative xmlns="" xmlns:adec="http://schemas.microsoft.com/office/drawing/2017/decorative" val="1"/>
               </a:ext>
             </a:extLst>
           </p:cNvPr>
@@ -16860,7 +16884,7 @@
           <p:nvPr>
             <p:extLst>
               <p:ext uri="{386F3935-93C4-4BCD-93E2-E3B085C9AB24}">
-                <p16:designElem xmlns:p16="http://schemas.microsoft.com/office/powerpoint/2015/main" xmlns="" val="1"/>
+                <p16:designElem xmlns="" xmlns:p16="http://schemas.microsoft.com/office/powerpoint/2015/main" val="1"/>
               </p:ext>
             </p:extLst>
           </p:nvPr>
@@ -17052,7 +17076,7 @@
     </p:spTree>
     <p:extLst>
       <p:ext uri="{BB962C8B-B14F-4D97-AF65-F5344CB8AC3E}">
-        <p14:creationId xmlns:p14="http://schemas.microsoft.com/office/powerpoint/2010/main" val="50910737"/>
+        <p14:creationId xmlns:p14="http://schemas.microsoft.com/office/powerpoint/2010/main" xmlns="" val="50910737"/>
       </p:ext>
     </p:extLst>
   </p:cSld>
@@ -17092,10 +17116,10 @@
           <p:cNvPr id="19" name="Rectangle 21">
             <a:extLst>
               <a:ext uri="{FF2B5EF4-FFF2-40B4-BE49-F238E27FC236}">
-                <a16:creationId xmlns:a16="http://schemas.microsoft.com/office/drawing/2014/main" xmlns="" id="{BACC6370-2D7E-4714-9D71-7542949D7D5D}"/>
+                <a16:creationId xmlns="" xmlns:a16="http://schemas.microsoft.com/office/drawing/2014/main" id="{BACC6370-2D7E-4714-9D71-7542949D7D5D}"/>
               </a:ext>
               <a:ext uri="{C183D7F6-B498-43B3-948B-1728B52AA6E4}">
-                <adec:decorative xmlns:adec="http://schemas.microsoft.com/office/drawing/2017/decorative" xmlns="" val="1"/>
+                <adec:decorative xmlns="" xmlns:adec="http://schemas.microsoft.com/office/drawing/2017/decorative" val="1"/>
               </a:ext>
             </a:extLst>
           </p:cNvPr>
@@ -17105,7 +17129,7 @@
           <p:nvPr>
             <p:extLst>
               <p:ext uri="{386F3935-93C4-4BCD-93E2-E3B085C9AB24}">
-                <p16:designElem xmlns:p16="http://schemas.microsoft.com/office/powerpoint/2015/main" xmlns="" val="1"/>
+                <p16:designElem xmlns="" xmlns:p16="http://schemas.microsoft.com/office/powerpoint/2015/main" val="1"/>
               </p:ext>
             </p:extLst>
           </p:nvPr>
@@ -17126,7 +17150,7 @@
           <a:effectLst/>
           <a:extLst>
             <a:ext uri="{91240B29-F687-4F45-9708-019B960494DF}">
-              <a14:hiddenLine xmlns:a14="http://schemas.microsoft.com/office/drawing/2010/main" w="12700" cap="flat" cmpd="sng" algn="ctr">
+              <a14:hiddenLine xmlns:a14="http://schemas.microsoft.com/office/drawing/2010/main" xmlns="" w="12700" cap="flat" cmpd="sng" algn="ctr">
                 <a:solidFill>
                   <a:schemeClr val="accent1">
                     <a:shade val="50000"/>
@@ -17168,10 +17192,10 @@
           <p:cNvPr id="21" name="Rectangle 23">
             <a:extLst>
               <a:ext uri="{FF2B5EF4-FFF2-40B4-BE49-F238E27FC236}">
-                <a16:creationId xmlns:a16="http://schemas.microsoft.com/office/drawing/2014/main" xmlns="" id="{F68B3F68-107C-434F-AA38-110D5EA91B85}"/>
+                <a16:creationId xmlns="" xmlns:a16="http://schemas.microsoft.com/office/drawing/2014/main" id="{F68B3F68-107C-434F-AA38-110D5EA91B85}"/>
               </a:ext>
               <a:ext uri="{C183D7F6-B498-43B3-948B-1728B52AA6E4}">
-                <adec:decorative xmlns:adec="http://schemas.microsoft.com/office/drawing/2017/decorative" xmlns="" val="1"/>
+                <adec:decorative xmlns="" xmlns:adec="http://schemas.microsoft.com/office/drawing/2017/decorative" val="1"/>
               </a:ext>
             </a:extLst>
           </p:cNvPr>
@@ -17181,7 +17205,7 @@
           <p:nvPr>
             <p:extLst>
               <p:ext uri="{386F3935-93C4-4BCD-93E2-E3B085C9AB24}">
-                <p16:designElem xmlns:p16="http://schemas.microsoft.com/office/powerpoint/2015/main" xmlns="" val="1"/>
+                <p16:designElem xmlns="" xmlns:p16="http://schemas.microsoft.com/office/powerpoint/2015/main" val="1"/>
               </p:ext>
             </p:extLst>
           </p:nvPr>
@@ -17243,10 +17267,10 @@
           <p:cNvPr id="23" name="Rectangle 25">
             <a:extLst>
               <a:ext uri="{FF2B5EF4-FFF2-40B4-BE49-F238E27FC236}">
-                <a16:creationId xmlns:a16="http://schemas.microsoft.com/office/drawing/2014/main" xmlns="" id="{AAD0DBB9-1A4B-4391-81D4-CB19F9AB918A}"/>
+                <a16:creationId xmlns="" xmlns:a16="http://schemas.microsoft.com/office/drawing/2014/main" id="{AAD0DBB9-1A4B-4391-81D4-CB19F9AB918A}"/>
               </a:ext>
               <a:ext uri="{C183D7F6-B498-43B3-948B-1728B52AA6E4}">
-                <adec:decorative xmlns:adec="http://schemas.microsoft.com/office/drawing/2017/decorative" xmlns="" val="1"/>
+                <adec:decorative xmlns="" xmlns:adec="http://schemas.microsoft.com/office/drawing/2017/decorative" val="1"/>
               </a:ext>
             </a:extLst>
           </p:cNvPr>
@@ -17256,7 +17280,7 @@
           <p:nvPr>
             <p:extLst>
               <p:ext uri="{386F3935-93C4-4BCD-93E2-E3B085C9AB24}">
-                <p16:designElem xmlns:p16="http://schemas.microsoft.com/office/powerpoint/2015/main" xmlns="" val="1"/>
+                <p16:designElem xmlns="" xmlns:p16="http://schemas.microsoft.com/office/powerpoint/2015/main" val="1"/>
               </p:ext>
             </p:extLst>
           </p:nvPr>
@@ -17319,10 +17343,10 @@
           <p:cNvPr id="25" name="Rectangle 27">
             <a:extLst>
               <a:ext uri="{FF2B5EF4-FFF2-40B4-BE49-F238E27FC236}">
-                <a16:creationId xmlns:a16="http://schemas.microsoft.com/office/drawing/2014/main" xmlns="" id="{063BBA22-50EA-4C4D-BE05-F1CE4E63AA56}"/>
+                <a16:creationId xmlns="" xmlns:a16="http://schemas.microsoft.com/office/drawing/2014/main" id="{063BBA22-50EA-4C4D-BE05-F1CE4E63AA56}"/>
               </a:ext>
               <a:ext uri="{C183D7F6-B498-43B3-948B-1728B52AA6E4}">
-                <adec:decorative xmlns:adec="http://schemas.microsoft.com/office/drawing/2017/decorative" xmlns="" val="1"/>
+                <adec:decorative xmlns="" xmlns:adec="http://schemas.microsoft.com/office/drawing/2017/decorative" val="1"/>
               </a:ext>
             </a:extLst>
           </p:cNvPr>
@@ -17332,7 +17356,7 @@
           <p:nvPr>
             <p:extLst>
               <p:ext uri="{386F3935-93C4-4BCD-93E2-E3B085C9AB24}">
-                <p16:designElem xmlns:p16="http://schemas.microsoft.com/office/powerpoint/2015/main" xmlns="" val="1"/>
+                <p16:designElem xmlns="" xmlns:p16="http://schemas.microsoft.com/office/powerpoint/2015/main" val="1"/>
               </p:ext>
             </p:extLst>
           </p:nvPr>
@@ -17427,7 +17451,7 @@
           <p:cNvPr id="17" name="Объект 2">
             <a:extLst>
               <a:ext uri="{FF2B5EF4-FFF2-40B4-BE49-F238E27FC236}">
-                <a16:creationId xmlns:a16="http://schemas.microsoft.com/office/drawing/2014/main" xmlns="" id="{D8F71780-0360-40DD-B299-A5532F7FE99E}"/>
+                <a16:creationId xmlns="" xmlns:a16="http://schemas.microsoft.com/office/drawing/2014/main" id="{D8F71780-0360-40DD-B299-A5532F7FE99E}"/>
               </a:ext>
             </a:extLst>
           </p:cNvPr>
@@ -17438,7 +17462,7 @@
             <p:ph idx="1"/>
             <p:extLst>
               <p:ext uri="{D42A27DB-BD31-4B8C-83A1-F6EECF244321}">
-                <p14:modId xmlns:p14="http://schemas.microsoft.com/office/powerpoint/2010/main" val="2651930482"/>
+                <p14:modId xmlns:p14="http://schemas.microsoft.com/office/powerpoint/2010/main" xmlns="" val="2651930482"/>
               </p:ext>
             </p:extLst>
           </p:nvPr>
@@ -17456,7 +17480,7 @@
     </p:spTree>
     <p:extLst>
       <p:ext uri="{BB962C8B-B14F-4D97-AF65-F5344CB8AC3E}">
-        <p14:creationId xmlns:p14="http://schemas.microsoft.com/office/powerpoint/2010/main" val="3526175644"/>
+        <p14:creationId xmlns:p14="http://schemas.microsoft.com/office/powerpoint/2010/main" xmlns="" val="3526175644"/>
       </p:ext>
     </p:extLst>
   </p:cSld>
@@ -17496,10 +17520,10 @@
           <p:cNvPr id="28" name="Rectangle 27">
             <a:extLst>
               <a:ext uri="{FF2B5EF4-FFF2-40B4-BE49-F238E27FC236}">
-                <a16:creationId xmlns:a16="http://schemas.microsoft.com/office/drawing/2014/main" xmlns="" id="{DEE2AD96-B495-4E06-9291-B71706F728CB}"/>
+                <a16:creationId xmlns="" xmlns:a16="http://schemas.microsoft.com/office/drawing/2014/main" id="{DEE2AD96-B495-4E06-9291-B71706F728CB}"/>
               </a:ext>
               <a:ext uri="{C183D7F6-B498-43B3-948B-1728B52AA6E4}">
-                <adec:decorative xmlns:adec="http://schemas.microsoft.com/office/drawing/2017/decorative" xmlns="" val="1"/>
+                <adec:decorative xmlns="" xmlns:adec="http://schemas.microsoft.com/office/drawing/2017/decorative" val="1"/>
               </a:ext>
             </a:extLst>
           </p:cNvPr>
@@ -17509,7 +17533,7 @@
           <p:nvPr>
             <p:extLst>
               <p:ext uri="{386F3935-93C4-4BCD-93E2-E3B085C9AB24}">
-                <p16:designElem xmlns:p16="http://schemas.microsoft.com/office/powerpoint/2015/main" xmlns="" val="1"/>
+                <p16:designElem xmlns="" xmlns:p16="http://schemas.microsoft.com/office/powerpoint/2015/main" val="1"/>
               </p:ext>
             </p:extLst>
           </p:nvPr>
@@ -17530,7 +17554,7 @@
           <a:effectLst/>
           <a:extLst>
             <a:ext uri="{91240B29-F687-4F45-9708-019B960494DF}">
-              <a14:hiddenLine xmlns:a14="http://schemas.microsoft.com/office/drawing/2010/main" w="12700" cap="flat" cmpd="sng" algn="ctr">
+              <a14:hiddenLine xmlns:a14="http://schemas.microsoft.com/office/drawing/2010/main" xmlns="" w="12700" cap="flat" cmpd="sng" algn="ctr">
                 <a:solidFill>
                   <a:schemeClr val="accent1">
                     <a:shade val="50000"/>
@@ -17572,10 +17596,10 @@
           <p:cNvPr id="30" name="Rectangle 29">
             <a:extLst>
               <a:ext uri="{FF2B5EF4-FFF2-40B4-BE49-F238E27FC236}">
-                <a16:creationId xmlns:a16="http://schemas.microsoft.com/office/drawing/2014/main" xmlns="" id="{53CF6D67-C5A8-4ADD-9E8E-1E38CA1D3166}"/>
+                <a16:creationId xmlns="" xmlns:a16="http://schemas.microsoft.com/office/drawing/2014/main" id="{53CF6D67-C5A8-4ADD-9E8E-1E38CA1D3166}"/>
               </a:ext>
               <a:ext uri="{C183D7F6-B498-43B3-948B-1728B52AA6E4}">
-                <adec:decorative xmlns:adec="http://schemas.microsoft.com/office/drawing/2017/decorative" xmlns="" val="1"/>
+                <adec:decorative xmlns="" xmlns:adec="http://schemas.microsoft.com/office/drawing/2017/decorative" val="1"/>
               </a:ext>
             </a:extLst>
           </p:cNvPr>
@@ -17585,7 +17609,7 @@
           <p:nvPr>
             <p:extLst>
               <p:ext uri="{386F3935-93C4-4BCD-93E2-E3B085C9AB24}">
-                <p16:designElem xmlns:p16="http://schemas.microsoft.com/office/powerpoint/2015/main" xmlns="" val="1"/>
+                <p16:designElem xmlns="" xmlns:p16="http://schemas.microsoft.com/office/powerpoint/2015/main" val="1"/>
               </p:ext>
             </p:extLst>
           </p:nvPr>
@@ -17645,10 +17669,10 @@
           <p:cNvPr id="32" name="Rectangle 31">
             <a:extLst>
               <a:ext uri="{FF2B5EF4-FFF2-40B4-BE49-F238E27FC236}">
-                <a16:creationId xmlns:a16="http://schemas.microsoft.com/office/drawing/2014/main" xmlns="" id="{86909FA0-B515-4681-B7A8-FA281D133B94}"/>
+                <a16:creationId xmlns="" xmlns:a16="http://schemas.microsoft.com/office/drawing/2014/main" id="{86909FA0-B515-4681-B7A8-FA281D133B94}"/>
               </a:ext>
               <a:ext uri="{C183D7F6-B498-43B3-948B-1728B52AA6E4}">
-                <adec:decorative xmlns:adec="http://schemas.microsoft.com/office/drawing/2017/decorative" xmlns="" val="1"/>
+                <adec:decorative xmlns="" xmlns:adec="http://schemas.microsoft.com/office/drawing/2017/decorative" val="1"/>
               </a:ext>
             </a:extLst>
           </p:cNvPr>
@@ -17658,7 +17682,7 @@
           <p:nvPr>
             <p:extLst>
               <p:ext uri="{386F3935-93C4-4BCD-93E2-E3B085C9AB24}">
-                <p16:designElem xmlns:p16="http://schemas.microsoft.com/office/powerpoint/2015/main" xmlns="" val="1"/>
+                <p16:designElem xmlns="" xmlns:p16="http://schemas.microsoft.com/office/powerpoint/2015/main" val="1"/>
               </p:ext>
             </p:extLst>
           </p:nvPr>
@@ -17720,10 +17744,10 @@
           <p:cNvPr id="34" name="Rectangle 33">
             <a:extLst>
               <a:ext uri="{FF2B5EF4-FFF2-40B4-BE49-F238E27FC236}">
-                <a16:creationId xmlns:a16="http://schemas.microsoft.com/office/drawing/2014/main" xmlns="" id="{21C9FE86-FCC3-4A31-AA1C-C882262B7FE7}"/>
+                <a16:creationId xmlns="" xmlns:a16="http://schemas.microsoft.com/office/drawing/2014/main" id="{21C9FE86-FCC3-4A31-AA1C-C882262B7FE7}"/>
               </a:ext>
               <a:ext uri="{C183D7F6-B498-43B3-948B-1728B52AA6E4}">
-                <adec:decorative xmlns:adec="http://schemas.microsoft.com/office/drawing/2017/decorative" xmlns="" val="1"/>
+                <adec:decorative xmlns="" xmlns:adec="http://schemas.microsoft.com/office/drawing/2017/decorative" val="1"/>
               </a:ext>
             </a:extLst>
           </p:cNvPr>
@@ -17733,7 +17757,7 @@
           <p:nvPr>
             <p:extLst>
               <p:ext uri="{386F3935-93C4-4BCD-93E2-E3B085C9AB24}">
-                <p16:designElem xmlns:p16="http://schemas.microsoft.com/office/powerpoint/2015/main" xmlns="" val="1"/>
+                <p16:designElem xmlns="" xmlns:p16="http://schemas.microsoft.com/office/powerpoint/2015/main" val="1"/>
               </p:ext>
             </p:extLst>
           </p:nvPr>
@@ -17795,10 +17819,10 @@
           <p:cNvPr id="36" name="Rectangle 35">
             <a:extLst>
               <a:ext uri="{FF2B5EF4-FFF2-40B4-BE49-F238E27FC236}">
-                <a16:creationId xmlns:a16="http://schemas.microsoft.com/office/drawing/2014/main" xmlns="" id="{7D96243B-ECED-4B71-8E06-AE9A285EAD20}"/>
+                <a16:creationId xmlns="" xmlns:a16="http://schemas.microsoft.com/office/drawing/2014/main" id="{7D96243B-ECED-4B71-8E06-AE9A285EAD20}"/>
               </a:ext>
               <a:ext uri="{C183D7F6-B498-43B3-948B-1728B52AA6E4}">
-                <adec:decorative xmlns:adec="http://schemas.microsoft.com/office/drawing/2017/decorative" xmlns="" val="1"/>
+                <adec:decorative xmlns="" xmlns:adec="http://schemas.microsoft.com/office/drawing/2017/decorative" val="1"/>
               </a:ext>
             </a:extLst>
           </p:cNvPr>
@@ -17808,7 +17832,7 @@
           <p:nvPr>
             <p:extLst>
               <p:ext uri="{386F3935-93C4-4BCD-93E2-E3B085C9AB24}">
-                <p16:designElem xmlns:p16="http://schemas.microsoft.com/office/powerpoint/2015/main" xmlns="" val="1"/>
+                <p16:designElem xmlns="" xmlns:p16="http://schemas.microsoft.com/office/powerpoint/2015/main" val="1"/>
               </p:ext>
             </p:extLst>
           </p:nvPr>
@@ -17870,10 +17894,10 @@
           <p:cNvPr id="38" name="Oval 37">
             <a:extLst>
               <a:ext uri="{FF2B5EF4-FFF2-40B4-BE49-F238E27FC236}">
-                <a16:creationId xmlns:a16="http://schemas.microsoft.com/office/drawing/2014/main" xmlns="" id="{A09989E4-EFDC-4A90-A633-E0525FB4139E}"/>
+                <a16:creationId xmlns="" xmlns:a16="http://schemas.microsoft.com/office/drawing/2014/main" id="{A09989E4-EFDC-4A90-A633-E0525FB4139E}"/>
               </a:ext>
               <a:ext uri="{C183D7F6-B498-43B3-948B-1728B52AA6E4}">
-                <adec:decorative xmlns:adec="http://schemas.microsoft.com/office/drawing/2017/decorative" xmlns="" val="1"/>
+                <adec:decorative xmlns="" xmlns:adec="http://schemas.microsoft.com/office/drawing/2017/decorative" val="1"/>
               </a:ext>
             </a:extLst>
           </p:cNvPr>
@@ -17883,7 +17907,7 @@
           <p:nvPr>
             <p:extLst>
               <p:ext uri="{386F3935-93C4-4BCD-93E2-E3B085C9AB24}">
-                <p16:designElem xmlns:p16="http://schemas.microsoft.com/office/powerpoint/2015/main" xmlns="" val="1"/>
+                <p16:designElem xmlns="" xmlns:p16="http://schemas.microsoft.com/office/powerpoint/2015/main" val="1"/>
               </p:ext>
             </p:extLst>
           </p:nvPr>
@@ -18026,7 +18050,7 @@
     </p:spTree>
     <p:extLst>
       <p:ext uri="{BB962C8B-B14F-4D97-AF65-F5344CB8AC3E}">
-        <p14:creationId xmlns:p14="http://schemas.microsoft.com/office/powerpoint/2010/main" val="2826129531"/>
+        <p14:creationId xmlns:p14="http://schemas.microsoft.com/office/powerpoint/2010/main" xmlns="" val="2826129531"/>
       </p:ext>
     </p:extLst>
   </p:cSld>
@@ -18079,7 +18103,7 @@
     </a:clrScheme>
     <a:fontScheme name="Стандартная">
       <a:majorFont>
-        <a:latin typeface="Calibri Light" panose="020F0302020204030204"/>
+        <a:latin typeface="Calibri Light"/>
         <a:ea typeface=""/>
         <a:cs typeface=""/>
         <a:font script="Jpan" typeface="ＭＳ Ｐゴシック"/>
@@ -18114,7 +18138,7 @@
         <a:font script="Geor" typeface="Sylfaen"/>
       </a:majorFont>
       <a:minorFont>
-        <a:latin typeface="Calibri" panose="020F0502020204030204"/>
+        <a:latin typeface="Calibri"/>
         <a:ea typeface=""/>
         <a:cs typeface=""/>
         <a:font script="Jpan" typeface="ＭＳ Ｐゴシック"/>
@@ -18291,7 +18315,7 @@
   <a:extraClrSchemeLst/>
   <a:extLst>
     <a:ext uri="{05A4C25C-085E-4340-85A3-A5531E510DB2}">
-      <thm15:themeFamily xmlns:thm15="http://schemas.microsoft.com/office/thememl/2012/main" name="Office Theme" id="{62F939B6-93AF-4DB8-9C6B-D6C7DFDC589F}" vid="{4A3C46E8-61CC-4603-A589-7422A47A8E4A}"/>
+      <thm15:themeFamily xmlns:thm15="http://schemas.microsoft.com/office/thememl/2012/main" xmlns="" name="Office Theme" id="{62F939B6-93AF-4DB8-9C6B-D6C7DFDC589F}" vid="{4A3C46E8-61CC-4603-A589-7422A47A8E4A}"/>
     </a:ext>
   </a:extLst>
 </a:theme>
